--- a/Introducing PyCaret - June 1 2020.pptx
+++ b/Introducing PyCaret - June 1 2020.pptx
@@ -5,7 +5,7 @@
     <p:sldMasterId id="2147483659" r:id="rId1"/>
   </p:sldMasterIdLst>
   <p:notesMasterIdLst>
-    <p:notesMasterId r:id="rId22"/>
+    <p:notesMasterId r:id="rId23"/>
   </p:notesMasterIdLst>
   <p:sldIdLst>
     <p:sldId id="256" r:id="rId2"/>
@@ -14,20 +14,21 @@
     <p:sldId id="278" r:id="rId5"/>
     <p:sldId id="280" r:id="rId6"/>
     <p:sldId id="281" r:id="rId7"/>
-    <p:sldId id="282" r:id="rId8"/>
-    <p:sldId id="289" r:id="rId9"/>
-    <p:sldId id="283" r:id="rId10"/>
-    <p:sldId id="284" r:id="rId11"/>
-    <p:sldId id="285" r:id="rId12"/>
-    <p:sldId id="286" r:id="rId13"/>
-    <p:sldId id="266" r:id="rId14"/>
-    <p:sldId id="288" r:id="rId15"/>
-    <p:sldId id="267" r:id="rId16"/>
-    <p:sldId id="287" r:id="rId17"/>
-    <p:sldId id="269" r:id="rId18"/>
-    <p:sldId id="270" r:id="rId19"/>
-    <p:sldId id="272" r:id="rId20"/>
-    <p:sldId id="274" r:id="rId21"/>
+    <p:sldId id="289" r:id="rId8"/>
+    <p:sldId id="282" r:id="rId9"/>
+    <p:sldId id="290" r:id="rId10"/>
+    <p:sldId id="283" r:id="rId11"/>
+    <p:sldId id="284" r:id="rId12"/>
+    <p:sldId id="285" r:id="rId13"/>
+    <p:sldId id="286" r:id="rId14"/>
+    <p:sldId id="266" r:id="rId15"/>
+    <p:sldId id="288" r:id="rId16"/>
+    <p:sldId id="267" r:id="rId17"/>
+    <p:sldId id="287" r:id="rId18"/>
+    <p:sldId id="269" r:id="rId19"/>
+    <p:sldId id="270" r:id="rId20"/>
+    <p:sldId id="272" r:id="rId21"/>
+    <p:sldId id="274" r:id="rId22"/>
   </p:sldIdLst>
   <p:sldSz cx="9144000" cy="5143500" type="screen16x9"/>
   <p:notesSz cx="6858000" cy="9144000"/>
@@ -6478,6 +6479,206 @@
           <a:chExt cx="0" cy="0"/>
         </a:xfrm>
       </p:grpSpPr>
+      <p:sp>
+        <p:nvSpPr>
+          <p:cNvPr id="2" name="Title 1">
+            <a:extLst>
+              <a:ext uri="{FF2B5EF4-FFF2-40B4-BE49-F238E27FC236}">
+                <a16:creationId xmlns:a16="http://schemas.microsoft.com/office/drawing/2014/main" id="{D4C69E57-EDE8-4B2E-A008-BE83ADA02AEC}"/>
+              </a:ext>
+            </a:extLst>
+          </p:cNvPr>
+          <p:cNvSpPr>
+            <a:spLocks noGrp="1"/>
+          </p:cNvSpPr>
+          <p:nvPr>
+            <p:ph type="title"/>
+          </p:nvPr>
+        </p:nvSpPr>
+        <p:spPr/>
+        <p:txBody>
+          <a:bodyPr/>
+          <a:lstStyle/>
+          <a:p>
+            <a:r>
+              <a:rPr lang="en-CA" dirty="0"/>
+              <a:t>Let’s get started</a:t>
+            </a:r>
+          </a:p>
+        </p:txBody>
+      </p:sp>
+      <p:sp>
+        <p:nvSpPr>
+          <p:cNvPr id="3" name="Text Placeholder 2">
+            <a:extLst>
+              <a:ext uri="{FF2B5EF4-FFF2-40B4-BE49-F238E27FC236}">
+                <a16:creationId xmlns:a16="http://schemas.microsoft.com/office/drawing/2014/main" id="{B1AAF820-FA06-4353-8A76-8F66286271F4}"/>
+              </a:ext>
+            </a:extLst>
+          </p:cNvPr>
+          <p:cNvSpPr>
+            <a:spLocks noGrp="1"/>
+          </p:cNvSpPr>
+          <p:nvPr>
+            <p:ph type="body" idx="1"/>
+          </p:nvPr>
+        </p:nvSpPr>
+        <p:spPr>
+          <a:xfrm>
+            <a:off x="311700" y="1345356"/>
+            <a:ext cx="8520600" cy="3740994"/>
+          </a:xfrm>
+        </p:spPr>
+        <p:txBody>
+          <a:bodyPr/>
+          <a:lstStyle/>
+          <a:p>
+            <a:pPr marL="114300" indent="0">
+              <a:buNone/>
+            </a:pPr>
+            <a:r>
+              <a:rPr lang="en-CA" dirty="0"/>
+              <a:t>If you plan to follow-along the demo part. You can clone the following GitHub repository:</a:t>
+            </a:r>
+          </a:p>
+          <a:p>
+            <a:pPr marL="114300" indent="0">
+              <a:buNone/>
+            </a:pPr>
+            <a:endParaRPr lang="en-CA" dirty="0"/>
+          </a:p>
+          <a:p>
+            <a:pPr marL="114300" indent="0">
+              <a:buNone/>
+            </a:pPr>
+            <a:r>
+              <a:rPr lang="en-CA" dirty="0">
+                <a:hlinkClick r:id="rId2"/>
+              </a:rPr>
+              <a:t>https://www.github.com/pycaret/pycaret-demo-dataraction</a:t>
+            </a:r>
+            <a:endParaRPr lang="en-CA" dirty="0"/>
+          </a:p>
+          <a:p>
+            <a:pPr marL="114300" indent="0">
+              <a:buNone/>
+            </a:pPr>
+            <a:endParaRPr lang="en-CA" dirty="0"/>
+          </a:p>
+          <a:p>
+            <a:pPr marL="114300" indent="0">
+              <a:buNone/>
+            </a:pPr>
+            <a:r>
+              <a:rPr lang="en-CA" dirty="0"/>
+              <a:t>Alternatively, you can run the notebooks on Google Colab. Follow the link below:</a:t>
+            </a:r>
+          </a:p>
+          <a:p>
+            <a:pPr marL="114300" indent="0">
+              <a:buNone/>
+            </a:pPr>
+            <a:endParaRPr lang="en-CA" dirty="0"/>
+          </a:p>
+          <a:p>
+            <a:pPr marL="114300" indent="0">
+              <a:buNone/>
+            </a:pPr>
+            <a:r>
+              <a:rPr lang="en-CA" dirty="0">
+                <a:hlinkClick r:id="rId3"/>
+              </a:rPr>
+              <a:t>https://pycaret.org/demo/</a:t>
+            </a:r>
+            <a:endParaRPr lang="en-CA" dirty="0"/>
+          </a:p>
+          <a:p>
+            <a:pPr marL="114300" indent="0">
+              <a:buNone/>
+            </a:pPr>
+            <a:endParaRPr lang="en-CA" b="1" dirty="0"/>
+          </a:p>
+          <a:p>
+            <a:pPr marL="114300" indent="0">
+              <a:buNone/>
+            </a:pPr>
+            <a:r>
+              <a:rPr lang="en-CA" b="1" dirty="0"/>
+              <a:t>To install pycaret on your local machine type “pip install pycaret” in Jupyter Notebook or Anaconda Prompt. Installation will take 5-10 minutes.</a:t>
+            </a:r>
+          </a:p>
+          <a:p>
+            <a:pPr marL="114300" indent="0">
+              <a:buNone/>
+            </a:pPr>
+            <a:endParaRPr lang="en-CA" b="1" dirty="0"/>
+          </a:p>
+        </p:txBody>
+      </p:sp>
+      <p:pic>
+        <p:nvPicPr>
+          <p:cNvPr id="4" name="Google Shape;150;p23">
+            <a:extLst>
+              <a:ext uri="{FF2B5EF4-FFF2-40B4-BE49-F238E27FC236}">
+                <a16:creationId xmlns:a16="http://schemas.microsoft.com/office/drawing/2014/main" id="{E1FB8D32-7C6F-4D63-83B7-26669A0451DE}"/>
+              </a:ext>
+            </a:extLst>
+          </p:cNvPr>
+          <p:cNvPicPr preferRelativeResize="0"/>
+          <p:nvPr/>
+        </p:nvPicPr>
+        <p:blipFill>
+          <a:blip r:embed="rId4">
+            <a:alphaModFix/>
+          </a:blip>
+          <a:stretch>
+            <a:fillRect/>
+          </a:stretch>
+        </p:blipFill>
+        <p:spPr>
+          <a:xfrm>
+            <a:off x="7585712" y="127725"/>
+            <a:ext cx="1415413" cy="172500"/>
+          </a:xfrm>
+          <a:prstGeom prst="rect">
+            <a:avLst/>
+          </a:prstGeom>
+          <a:noFill/>
+          <a:ln>
+            <a:noFill/>
+          </a:ln>
+        </p:spPr>
+      </p:pic>
+    </p:spTree>
+    <p:extLst>
+      <p:ext uri="{BB962C8B-B14F-4D97-AF65-F5344CB8AC3E}">
+        <p14:creationId xmlns:p14="http://schemas.microsoft.com/office/powerpoint/2010/main" val="1799633931"/>
+      </p:ext>
+    </p:extLst>
+  </p:cSld>
+  <p:clrMapOvr>
+    <a:masterClrMapping/>
+  </p:clrMapOvr>
+</p:sld>
+</file>
+
+<file path=ppt/slides/slide11.xml><?xml version="1.0" encoding="utf-8"?>
+<p:sld xmlns:a="http://schemas.openxmlformats.org/drawingml/2006/main" xmlns:r="http://schemas.openxmlformats.org/officeDocument/2006/relationships" xmlns:p="http://schemas.openxmlformats.org/presentationml/2006/main">
+  <p:cSld>
+    <p:spTree>
+      <p:nvGrpSpPr>
+        <p:cNvPr id="1" name=""/>
+        <p:cNvGrpSpPr/>
+        <p:nvPr/>
+      </p:nvGrpSpPr>
+      <p:grpSpPr>
+        <a:xfrm>
+          <a:off x="0" y="0"/>
+          <a:ext cx="0" cy="0"/>
+          <a:chOff x="0" y="0"/>
+          <a:chExt cx="0" cy="0"/>
+        </a:xfrm>
+      </p:grpSpPr>
       <p:pic>
         <p:nvPicPr>
           <p:cNvPr id="5" name="Picture 4" descr="A screenshot of a cell phone&#10;&#10;Description automatically generated">
@@ -6500,7 +6701,7 @@
         </p:blipFill>
         <p:spPr>
           <a:xfrm>
-            <a:off x="414794" y="231913"/>
+            <a:off x="414794" y="429861"/>
             <a:ext cx="8143418" cy="4283777"/>
           </a:xfrm>
           <a:prstGeom prst="rect">
@@ -6522,7 +6723,7 @@
         </p:nvSpPr>
         <p:spPr>
           <a:xfrm>
-            <a:off x="135731" y="4452699"/>
+            <a:off x="135730" y="4669455"/>
             <a:ext cx="8872537" cy="215444"/>
           </a:xfrm>
           <a:prstGeom prst="rect">
@@ -6559,7 +6760,7 @@
         </p:nvSpPr>
         <p:spPr>
           <a:xfrm>
-            <a:off x="4571999" y="621506"/>
+            <a:off x="4486503" y="814387"/>
             <a:ext cx="4157207" cy="2407444"/>
           </a:xfrm>
           <a:prstGeom prst="rect">
@@ -6625,12 +6826,46 @@
         </p:blipFill>
         <p:spPr>
           <a:xfrm>
-            <a:off x="6200774" y="61987"/>
+            <a:off x="6415087" y="252721"/>
             <a:ext cx="492919" cy="492919"/>
           </a:xfrm>
           <a:prstGeom prst="rect">
             <a:avLst/>
           </a:prstGeom>
+        </p:spPr>
+      </p:pic>
+      <p:pic>
+        <p:nvPicPr>
+          <p:cNvPr id="6" name="Google Shape;150;p23">
+            <a:extLst>
+              <a:ext uri="{FF2B5EF4-FFF2-40B4-BE49-F238E27FC236}">
+                <a16:creationId xmlns:a16="http://schemas.microsoft.com/office/drawing/2014/main" id="{938905A5-6EAA-49FE-B23B-47FA290507F8}"/>
+              </a:ext>
+            </a:extLst>
+          </p:cNvPr>
+          <p:cNvPicPr preferRelativeResize="0"/>
+          <p:nvPr/>
+        </p:nvPicPr>
+        <p:blipFill>
+          <a:blip r:embed="rId6">
+            <a:alphaModFix/>
+          </a:blip>
+          <a:stretch>
+            <a:fillRect/>
+          </a:stretch>
+        </p:blipFill>
+        <p:spPr>
+          <a:xfrm>
+            <a:off x="7585712" y="127725"/>
+            <a:ext cx="1415413" cy="172500"/>
+          </a:xfrm>
+          <a:prstGeom prst="rect">
+            <a:avLst/>
+          </a:prstGeom>
+          <a:noFill/>
+          <a:ln>
+            <a:noFill/>
+          </a:ln>
         </p:spPr>
       </p:pic>
     </p:spTree>
@@ -6751,7 +6986,7 @@
 </p:sld>
 </file>
 
-<file path=ppt/slides/slide11.xml><?xml version="1.0" encoding="utf-8"?>
+<file path=ppt/slides/slide12.xml><?xml version="1.0" encoding="utf-8"?>
 <p:sld xmlns:a="http://schemas.openxmlformats.org/drawingml/2006/main" xmlns:r="http://schemas.openxmlformats.org/officeDocument/2006/relationships" xmlns:p="http://schemas.openxmlformats.org/presentationml/2006/main">
   <p:cSld>
     <p:spTree>
@@ -6786,7 +7021,7 @@
         </p:nvSpPr>
         <p:spPr>
           <a:xfrm>
-            <a:off x="311700" y="273575"/>
+            <a:off x="311700" y="490508"/>
             <a:ext cx="8520600" cy="572700"/>
           </a:xfrm>
         </p:spPr>
@@ -9624,6 +9859,40 @@
           </p:style>
         </p:cxnSp>
       </p:grpSp>
+      <p:pic>
+        <p:nvPicPr>
+          <p:cNvPr id="73" name="Google Shape;150;p23">
+            <a:extLst>
+              <a:ext uri="{FF2B5EF4-FFF2-40B4-BE49-F238E27FC236}">
+                <a16:creationId xmlns:a16="http://schemas.microsoft.com/office/drawing/2014/main" id="{23FD0F01-79FC-46CB-B831-9663684FA218}"/>
+              </a:ext>
+            </a:extLst>
+          </p:cNvPr>
+          <p:cNvPicPr preferRelativeResize="0"/>
+          <p:nvPr/>
+        </p:nvPicPr>
+        <p:blipFill>
+          <a:blip r:embed="rId2">
+            <a:alphaModFix/>
+          </a:blip>
+          <a:stretch>
+            <a:fillRect/>
+          </a:stretch>
+        </p:blipFill>
+        <p:spPr>
+          <a:xfrm>
+            <a:off x="7585712" y="127725"/>
+            <a:ext cx="1415413" cy="172500"/>
+          </a:xfrm>
+          <a:prstGeom prst="rect">
+            <a:avLst/>
+          </a:prstGeom>
+          <a:noFill/>
+          <a:ln>
+            <a:noFill/>
+          </a:ln>
+        </p:spPr>
+      </p:pic>
     </p:spTree>
     <p:extLst>
       <p:ext uri="{BB962C8B-B14F-4D97-AF65-F5344CB8AC3E}">
@@ -9847,7 +10116,7 @@
 </p:sld>
 </file>
 
-<file path=ppt/slides/slide12.xml><?xml version="1.0" encoding="utf-8"?>
+<file path=ppt/slides/slide13.xml><?xml version="1.0" encoding="utf-8"?>
 <p:sld xmlns:a="http://schemas.openxmlformats.org/drawingml/2006/main" xmlns:r="http://schemas.openxmlformats.org/officeDocument/2006/relationships" xmlns:p="http://schemas.openxmlformats.org/presentationml/2006/main">
   <p:cSld>
     <p:spTree>
@@ -9967,6 +10236,40 @@
           </a:p>
         </p:txBody>
       </p:sp>
+      <p:pic>
+        <p:nvPicPr>
+          <p:cNvPr id="4" name="Google Shape;150;p23">
+            <a:extLst>
+              <a:ext uri="{FF2B5EF4-FFF2-40B4-BE49-F238E27FC236}">
+                <a16:creationId xmlns:a16="http://schemas.microsoft.com/office/drawing/2014/main" id="{00035326-03F3-41B4-8DE4-831D315C8F19}"/>
+              </a:ext>
+            </a:extLst>
+          </p:cNvPr>
+          <p:cNvPicPr preferRelativeResize="0"/>
+          <p:nvPr/>
+        </p:nvPicPr>
+        <p:blipFill>
+          <a:blip r:embed="rId2">
+            <a:alphaModFix/>
+          </a:blip>
+          <a:stretch>
+            <a:fillRect/>
+          </a:stretch>
+        </p:blipFill>
+        <p:spPr>
+          <a:xfrm>
+            <a:off x="7585712" y="127725"/>
+            <a:ext cx="1415413" cy="172500"/>
+          </a:xfrm>
+          <a:prstGeom prst="rect">
+            <a:avLst/>
+          </a:prstGeom>
+          <a:noFill/>
+          <a:ln>
+            <a:noFill/>
+          </a:ln>
+        </p:spPr>
+      </p:pic>
     </p:spTree>
     <p:extLst>
       <p:ext uri="{BB962C8B-B14F-4D97-AF65-F5344CB8AC3E}">
@@ -9980,7 +10283,7 @@
 </p:sld>
 </file>
 
-<file path=ppt/slides/slide13.xml><?xml version="1.0" encoding="utf-8"?>
+<file path=ppt/slides/slide14.xml><?xml version="1.0" encoding="utf-8"?>
 <p:sld xmlns:a="http://schemas.openxmlformats.org/drawingml/2006/main" xmlns:r="http://schemas.openxmlformats.org/officeDocument/2006/relationships" xmlns:p="http://schemas.openxmlformats.org/presentationml/2006/main">
   <p:cSld>
     <p:spTree>
@@ -10346,7 +10649,7 @@
 </p:sld>
 </file>
 
-<file path=ppt/slides/slide14.xml><?xml version="1.0" encoding="utf-8"?>
+<file path=ppt/slides/slide15.xml><?xml version="1.0" encoding="utf-8"?>
 <p:sld xmlns:a="http://schemas.openxmlformats.org/drawingml/2006/main" xmlns:r="http://schemas.openxmlformats.org/officeDocument/2006/relationships" xmlns:p="http://schemas.openxmlformats.org/presentationml/2006/main">
   <p:cSld>
     <p:spTree>
@@ -10391,7 +10694,7 @@
           <a:p>
             <a:r>
               <a:rPr lang="en-CA" dirty="0"/>
-              <a:t>Comparison of PyCaret</a:t>
+              <a:t>Difference of using PyCaret</a:t>
             </a:r>
           </a:p>
         </p:txBody>
@@ -10452,325 +10755,46 @@
           </a:prstGeom>
         </p:spPr>
       </p:pic>
+      <p:pic>
+        <p:nvPicPr>
+          <p:cNvPr id="6" name="Google Shape;150;p23">
+            <a:extLst>
+              <a:ext uri="{FF2B5EF4-FFF2-40B4-BE49-F238E27FC236}">
+                <a16:creationId xmlns:a16="http://schemas.microsoft.com/office/drawing/2014/main" id="{B2D45FE9-9FC1-4927-8A5A-89D939093B5B}"/>
+              </a:ext>
+            </a:extLst>
+          </p:cNvPr>
+          <p:cNvPicPr preferRelativeResize="0"/>
+          <p:nvPr/>
+        </p:nvPicPr>
+        <p:blipFill>
+          <a:blip r:embed="rId4">
+            <a:alphaModFix/>
+          </a:blip>
+          <a:stretch>
+            <a:fillRect/>
+          </a:stretch>
+        </p:blipFill>
+        <p:spPr>
+          <a:xfrm>
+            <a:off x="7585712" y="127725"/>
+            <a:ext cx="1415413" cy="172500"/>
+          </a:xfrm>
+          <a:prstGeom prst="rect">
+            <a:avLst/>
+          </a:prstGeom>
+          <a:noFill/>
+          <a:ln>
+            <a:noFill/>
+          </a:ln>
+        </p:spPr>
+      </p:pic>
     </p:spTree>
     <p:extLst>
       <p:ext uri="{BB962C8B-B14F-4D97-AF65-F5344CB8AC3E}">
         <p14:creationId xmlns:p14="http://schemas.microsoft.com/office/powerpoint/2010/main" val="3492805281"/>
       </p:ext>
     </p:extLst>
-  </p:cSld>
-  <p:clrMapOvr>
-    <a:masterClrMapping/>
-  </p:clrMapOvr>
-</p:sld>
-</file>
-
-<file path=ppt/slides/slide15.xml><?xml version="1.0" encoding="utf-8"?>
-<p:sld xmlns:a="http://schemas.openxmlformats.org/drawingml/2006/main" xmlns:r="http://schemas.openxmlformats.org/officeDocument/2006/relationships" xmlns:p="http://schemas.openxmlformats.org/presentationml/2006/main">
-  <p:cSld>
-    <p:spTree>
-      <p:nvGrpSpPr>
-        <p:cNvPr id="1" name="Shape 161"/>
-        <p:cNvGrpSpPr/>
-        <p:nvPr/>
-      </p:nvGrpSpPr>
-      <p:grpSpPr>
-        <a:xfrm>
-          <a:off x="0" y="0"/>
-          <a:ext cx="0" cy="0"/>
-          <a:chOff x="0" y="0"/>
-          <a:chExt cx="0" cy="0"/>
-        </a:xfrm>
-      </p:grpSpPr>
-      <p:sp>
-        <p:nvSpPr>
-          <p:cNvPr id="162" name="Google Shape;162;p24"/>
-          <p:cNvSpPr txBox="1">
-            <a:spLocks noGrp="1"/>
-          </p:cNvSpPr>
-          <p:nvPr>
-            <p:ph type="title"/>
-          </p:nvPr>
-        </p:nvSpPr>
-        <p:spPr>
-          <a:xfrm>
-            <a:off x="311700" y="521225"/>
-            <a:ext cx="8520600" cy="572700"/>
-          </a:xfrm>
-          <a:prstGeom prst="rect">
-            <a:avLst/>
-          </a:prstGeom>
-        </p:spPr>
-        <p:txBody>
-          <a:bodyPr spcFirstLastPara="1" wrap="square" lIns="91425" tIns="91425" rIns="91425" bIns="91425" anchor="t" anchorCtr="0">
-            <a:noAutofit/>
-          </a:bodyPr>
-          <a:lstStyle/>
-          <a:p>
-            <a:pPr marL="0" lvl="0" indent="0" algn="l" rtl="0">
-              <a:spcBef>
-                <a:spcPts val="0"/>
-              </a:spcBef>
-              <a:spcAft>
-                <a:spcPts val="0"/>
-              </a:spcAft>
-              <a:buNone/>
-            </a:pPr>
-            <a:r>
-              <a:rPr lang="en"/>
-              <a:t>Facts</a:t>
-            </a:r>
-            <a:endParaRPr/>
-          </a:p>
-        </p:txBody>
-      </p:sp>
-      <p:sp>
-        <p:nvSpPr>
-          <p:cNvPr id="163" name="Google Shape;163;p24"/>
-          <p:cNvSpPr txBox="1">
-            <a:spLocks noGrp="1"/>
-          </p:cNvSpPr>
-          <p:nvPr>
-            <p:ph type="body" idx="1"/>
-          </p:nvPr>
-        </p:nvSpPr>
-        <p:spPr>
-          <a:xfrm>
-            <a:off x="311700" y="1304875"/>
-            <a:ext cx="8520600" cy="508500"/>
-          </a:xfrm>
-          <a:prstGeom prst="rect">
-            <a:avLst/>
-          </a:prstGeom>
-        </p:spPr>
-        <p:txBody>
-          <a:bodyPr spcFirstLastPara="1" wrap="square" lIns="91425" tIns="91425" rIns="91425" bIns="91425" anchor="t" anchorCtr="0">
-            <a:noAutofit/>
-          </a:bodyPr>
-          <a:lstStyle/>
-          <a:p>
-            <a:pPr marL="457200" lvl="0" indent="-342900" algn="l" rtl="0">
-              <a:spcBef>
-                <a:spcPts val="0"/>
-              </a:spcBef>
-              <a:spcAft>
-                <a:spcPts val="0"/>
-              </a:spcAft>
-              <a:buSzPts val="1800"/>
-              <a:buChar char="●"/>
-            </a:pPr>
-            <a:r>
-              <a:rPr lang="en"/>
-              <a:t>Started in summer of 2019</a:t>
-            </a:r>
-            <a:endParaRPr/>
-          </a:p>
-        </p:txBody>
-      </p:sp>
-      <p:sp>
-        <p:nvSpPr>
-          <p:cNvPr id="164" name="Google Shape;164;p24"/>
-          <p:cNvSpPr txBox="1">
-            <a:spLocks noGrp="1"/>
-          </p:cNvSpPr>
-          <p:nvPr>
-            <p:ph type="body" idx="1"/>
-          </p:nvPr>
-        </p:nvSpPr>
-        <p:spPr>
-          <a:xfrm>
-            <a:off x="311700" y="2484238"/>
-            <a:ext cx="8520600" cy="508500"/>
-          </a:xfrm>
-          <a:prstGeom prst="rect">
-            <a:avLst/>
-          </a:prstGeom>
-        </p:spPr>
-        <p:txBody>
-          <a:bodyPr spcFirstLastPara="1" wrap="square" lIns="91425" tIns="91425" rIns="91425" bIns="91425" anchor="t" anchorCtr="0">
-            <a:noAutofit/>
-          </a:bodyPr>
-          <a:lstStyle/>
-          <a:p>
-            <a:pPr marL="457200" lvl="0" indent="-342900" algn="l" rtl="0">
-              <a:spcBef>
-                <a:spcPts val="0"/>
-              </a:spcBef>
-              <a:spcAft>
-                <a:spcPts val="0"/>
-              </a:spcAft>
-              <a:buSzPts val="1800"/>
-              <a:buChar char="●"/>
-            </a:pPr>
-            <a:r>
-              <a:rPr lang="en" dirty="0"/>
-              <a:t>Project took approximately 1 year to complete.</a:t>
-            </a:r>
-            <a:endParaRPr dirty="0"/>
-          </a:p>
-        </p:txBody>
-      </p:sp>
-      <p:sp>
-        <p:nvSpPr>
-          <p:cNvPr id="165" name="Google Shape;165;p24"/>
-          <p:cNvSpPr txBox="1">
-            <a:spLocks noGrp="1"/>
-          </p:cNvSpPr>
-          <p:nvPr>
-            <p:ph type="body" idx="1"/>
-          </p:nvPr>
-        </p:nvSpPr>
-        <p:spPr>
-          <a:xfrm>
-            <a:off x="302175" y="3054538"/>
-            <a:ext cx="8520600" cy="508500"/>
-          </a:xfrm>
-          <a:prstGeom prst="rect">
-            <a:avLst/>
-          </a:prstGeom>
-        </p:spPr>
-        <p:txBody>
-          <a:bodyPr spcFirstLastPara="1" wrap="square" lIns="91425" tIns="91425" rIns="91425" bIns="91425" anchor="t" anchorCtr="0">
-            <a:noAutofit/>
-          </a:bodyPr>
-          <a:lstStyle/>
-          <a:p>
-            <a:pPr marL="457200" lvl="0" indent="-342900" algn="l" rtl="0">
-              <a:spcBef>
-                <a:spcPts val="0"/>
-              </a:spcBef>
-              <a:spcAft>
-                <a:spcPts val="0"/>
-              </a:spcAft>
-              <a:buSzPts val="1800"/>
-              <a:buChar char="●"/>
-            </a:pPr>
-            <a:r>
-              <a:rPr lang="en" dirty="0"/>
-              <a:t>Self-funded.</a:t>
-            </a:r>
-            <a:endParaRPr dirty="0"/>
-          </a:p>
-        </p:txBody>
-      </p:sp>
-      <p:sp>
-        <p:nvSpPr>
-          <p:cNvPr id="166" name="Google Shape;166;p24"/>
-          <p:cNvSpPr txBox="1">
-            <a:spLocks noGrp="1"/>
-          </p:cNvSpPr>
-          <p:nvPr>
-            <p:ph type="body" idx="1"/>
-          </p:nvPr>
-        </p:nvSpPr>
-        <p:spPr>
-          <a:xfrm>
-            <a:off x="311700" y="3639237"/>
-            <a:ext cx="8610844" cy="805613"/>
-          </a:xfrm>
-          <a:prstGeom prst="rect">
-            <a:avLst/>
-          </a:prstGeom>
-        </p:spPr>
-        <p:txBody>
-          <a:bodyPr spcFirstLastPara="1" wrap="square" lIns="91425" tIns="91425" rIns="91425" bIns="91425" anchor="t" anchorCtr="0">
-            <a:noAutofit/>
-          </a:bodyPr>
-          <a:lstStyle/>
-          <a:p>
-            <a:pPr marL="457200" lvl="0" indent="-342900" algn="l" rtl="0">
-              <a:spcBef>
-                <a:spcPts val="0"/>
-              </a:spcBef>
-              <a:spcAft>
-                <a:spcPts val="0"/>
-              </a:spcAft>
-              <a:buSzPts val="1800"/>
-              <a:buChar char="●"/>
-            </a:pPr>
-            <a:r>
-              <a:rPr lang="en" dirty="0"/>
-              <a:t>Supported by team of brilliant people. </a:t>
-            </a:r>
-            <a:r>
-              <a:rPr lang="en-CA" dirty="0"/>
-              <a:t>To contribute please visit </a:t>
-            </a:r>
-            <a:r>
-              <a:rPr lang="en-CA" dirty="0">
-                <a:hlinkClick r:id="rId3"/>
-              </a:rPr>
-              <a:t>https://www.pycaret.org/contribute</a:t>
-            </a:r>
-            <a:endParaRPr lang="en-CA" dirty="0"/>
-          </a:p>
-          <a:p>
-            <a:pPr marL="457200" lvl="0" indent="-342900" algn="l" rtl="0">
-              <a:spcBef>
-                <a:spcPts val="0"/>
-              </a:spcBef>
-              <a:spcAft>
-                <a:spcPts val="0"/>
-              </a:spcAft>
-              <a:buSzPts val="1800"/>
-              <a:buChar char="●"/>
-            </a:pPr>
-            <a:endParaRPr dirty="0"/>
-          </a:p>
-        </p:txBody>
-      </p:sp>
-      <p:sp>
-        <p:nvSpPr>
-          <p:cNvPr id="167" name="Google Shape;167;p24"/>
-          <p:cNvSpPr txBox="1">
-            <a:spLocks noGrp="1"/>
-          </p:cNvSpPr>
-          <p:nvPr>
-            <p:ph type="body" idx="1"/>
-          </p:nvPr>
-        </p:nvSpPr>
-        <p:spPr>
-          <a:xfrm>
-            <a:off x="311700" y="1911538"/>
-            <a:ext cx="8520600" cy="572700"/>
-          </a:xfrm>
-          <a:prstGeom prst="rect">
-            <a:avLst/>
-          </a:prstGeom>
-        </p:spPr>
-        <p:txBody>
-          <a:bodyPr spcFirstLastPara="1" wrap="square" lIns="91425" tIns="91425" rIns="91425" bIns="91425" anchor="t" anchorCtr="0">
-            <a:noAutofit/>
-          </a:bodyPr>
-          <a:lstStyle/>
-          <a:p>
-            <a:pPr marL="457200" lvl="0" indent="-342900" algn="l" rtl="0">
-              <a:spcBef>
-                <a:spcPts val="0"/>
-              </a:spcBef>
-              <a:spcAft>
-                <a:spcPts val="0"/>
-              </a:spcAft>
-              <a:buSzPts val="1800"/>
-              <a:buChar char="●"/>
-            </a:pPr>
-            <a:r>
-              <a:rPr lang="en-CA" dirty="0"/>
-              <a:t>W</a:t>
-            </a:r>
-            <a:r>
-              <a:rPr lang="en" dirty="0"/>
-              <a:t>ritten in Python. </a:t>
-            </a:r>
-            <a:r>
-              <a:rPr lang="en-CA" dirty="0"/>
-              <a:t>Future versions may include wrappers in other langs.</a:t>
-            </a:r>
-            <a:endParaRPr dirty="0"/>
-          </a:p>
-        </p:txBody>
-      </p:sp>
-    </p:spTree>
   </p:cSld>
   <p:clrMapOvr>
     <a:masterClrMapping/>
@@ -10830,6 +10854,353 @@
               <a:buNone/>
             </a:pPr>
             <a:r>
+              <a:rPr lang="en"/>
+              <a:t>Facts</a:t>
+            </a:r>
+            <a:endParaRPr/>
+          </a:p>
+        </p:txBody>
+      </p:sp>
+      <p:sp>
+        <p:nvSpPr>
+          <p:cNvPr id="163" name="Google Shape;163;p24"/>
+          <p:cNvSpPr txBox="1">
+            <a:spLocks noGrp="1"/>
+          </p:cNvSpPr>
+          <p:nvPr>
+            <p:ph type="body" idx="1"/>
+          </p:nvPr>
+        </p:nvSpPr>
+        <p:spPr>
+          <a:xfrm>
+            <a:off x="311700" y="1304875"/>
+            <a:ext cx="8520600" cy="508500"/>
+          </a:xfrm>
+          <a:prstGeom prst="rect">
+            <a:avLst/>
+          </a:prstGeom>
+        </p:spPr>
+        <p:txBody>
+          <a:bodyPr spcFirstLastPara="1" wrap="square" lIns="91425" tIns="91425" rIns="91425" bIns="91425" anchor="t" anchorCtr="0">
+            <a:noAutofit/>
+          </a:bodyPr>
+          <a:lstStyle/>
+          <a:p>
+            <a:pPr marL="457200" lvl="0" indent="-342900" algn="l" rtl="0">
+              <a:spcBef>
+                <a:spcPts val="0"/>
+              </a:spcBef>
+              <a:spcAft>
+                <a:spcPts val="0"/>
+              </a:spcAft>
+              <a:buSzPts val="1800"/>
+              <a:buChar char="●"/>
+            </a:pPr>
+            <a:r>
+              <a:rPr lang="en"/>
+              <a:t>Started in summer of 2019</a:t>
+            </a:r>
+            <a:endParaRPr/>
+          </a:p>
+        </p:txBody>
+      </p:sp>
+      <p:sp>
+        <p:nvSpPr>
+          <p:cNvPr id="164" name="Google Shape;164;p24"/>
+          <p:cNvSpPr txBox="1">
+            <a:spLocks noGrp="1"/>
+          </p:cNvSpPr>
+          <p:nvPr>
+            <p:ph type="body" idx="1"/>
+          </p:nvPr>
+        </p:nvSpPr>
+        <p:spPr>
+          <a:xfrm>
+            <a:off x="311700" y="2484238"/>
+            <a:ext cx="8520600" cy="508500"/>
+          </a:xfrm>
+          <a:prstGeom prst="rect">
+            <a:avLst/>
+          </a:prstGeom>
+        </p:spPr>
+        <p:txBody>
+          <a:bodyPr spcFirstLastPara="1" wrap="square" lIns="91425" tIns="91425" rIns="91425" bIns="91425" anchor="t" anchorCtr="0">
+            <a:noAutofit/>
+          </a:bodyPr>
+          <a:lstStyle/>
+          <a:p>
+            <a:pPr marL="457200" lvl="0" indent="-342900" algn="l" rtl="0">
+              <a:spcBef>
+                <a:spcPts val="0"/>
+              </a:spcBef>
+              <a:spcAft>
+                <a:spcPts val="0"/>
+              </a:spcAft>
+              <a:buSzPts val="1800"/>
+              <a:buChar char="●"/>
+            </a:pPr>
+            <a:r>
+              <a:rPr lang="en" dirty="0"/>
+              <a:t>Project took approximately 1 year to complete.</a:t>
+            </a:r>
+            <a:endParaRPr dirty="0"/>
+          </a:p>
+        </p:txBody>
+      </p:sp>
+      <p:sp>
+        <p:nvSpPr>
+          <p:cNvPr id="165" name="Google Shape;165;p24"/>
+          <p:cNvSpPr txBox="1">
+            <a:spLocks noGrp="1"/>
+          </p:cNvSpPr>
+          <p:nvPr>
+            <p:ph type="body" idx="1"/>
+          </p:nvPr>
+        </p:nvSpPr>
+        <p:spPr>
+          <a:xfrm>
+            <a:off x="302175" y="3054538"/>
+            <a:ext cx="8520600" cy="508500"/>
+          </a:xfrm>
+          <a:prstGeom prst="rect">
+            <a:avLst/>
+          </a:prstGeom>
+        </p:spPr>
+        <p:txBody>
+          <a:bodyPr spcFirstLastPara="1" wrap="square" lIns="91425" tIns="91425" rIns="91425" bIns="91425" anchor="t" anchorCtr="0">
+            <a:noAutofit/>
+          </a:bodyPr>
+          <a:lstStyle/>
+          <a:p>
+            <a:pPr marL="457200" lvl="0" indent="-342900" algn="l" rtl="0">
+              <a:spcBef>
+                <a:spcPts val="0"/>
+              </a:spcBef>
+              <a:spcAft>
+                <a:spcPts val="0"/>
+              </a:spcAft>
+              <a:buSzPts val="1800"/>
+              <a:buChar char="●"/>
+            </a:pPr>
+            <a:r>
+              <a:rPr lang="en" dirty="0"/>
+              <a:t>Self-funded.</a:t>
+            </a:r>
+            <a:endParaRPr dirty="0"/>
+          </a:p>
+        </p:txBody>
+      </p:sp>
+      <p:sp>
+        <p:nvSpPr>
+          <p:cNvPr id="166" name="Google Shape;166;p24"/>
+          <p:cNvSpPr txBox="1">
+            <a:spLocks noGrp="1"/>
+          </p:cNvSpPr>
+          <p:nvPr>
+            <p:ph type="body" idx="1"/>
+          </p:nvPr>
+        </p:nvSpPr>
+        <p:spPr>
+          <a:xfrm>
+            <a:off x="311700" y="3639237"/>
+            <a:ext cx="8610844" cy="805613"/>
+          </a:xfrm>
+          <a:prstGeom prst="rect">
+            <a:avLst/>
+          </a:prstGeom>
+        </p:spPr>
+        <p:txBody>
+          <a:bodyPr spcFirstLastPara="1" wrap="square" lIns="91425" tIns="91425" rIns="91425" bIns="91425" anchor="t" anchorCtr="0">
+            <a:noAutofit/>
+          </a:bodyPr>
+          <a:lstStyle/>
+          <a:p>
+            <a:pPr marL="457200" lvl="0" indent="-342900" algn="l" rtl="0">
+              <a:spcBef>
+                <a:spcPts val="0"/>
+              </a:spcBef>
+              <a:spcAft>
+                <a:spcPts val="0"/>
+              </a:spcAft>
+              <a:buSzPts val="1800"/>
+              <a:buChar char="●"/>
+            </a:pPr>
+            <a:r>
+              <a:rPr lang="en" dirty="0"/>
+              <a:t>Supported by team of brilliant people. </a:t>
+            </a:r>
+            <a:r>
+              <a:rPr lang="en-CA" dirty="0"/>
+              <a:t>To contribute please visit </a:t>
+            </a:r>
+            <a:r>
+              <a:rPr lang="en-CA" dirty="0">
+                <a:hlinkClick r:id="rId3"/>
+              </a:rPr>
+              <a:t>https://www.pycaret.org/contribute</a:t>
+            </a:r>
+            <a:endParaRPr lang="en-CA" dirty="0"/>
+          </a:p>
+          <a:p>
+            <a:pPr marL="457200" lvl="0" indent="-342900" algn="l" rtl="0">
+              <a:spcBef>
+                <a:spcPts val="0"/>
+              </a:spcBef>
+              <a:spcAft>
+                <a:spcPts val="0"/>
+              </a:spcAft>
+              <a:buSzPts val="1800"/>
+              <a:buChar char="●"/>
+            </a:pPr>
+            <a:endParaRPr dirty="0"/>
+          </a:p>
+        </p:txBody>
+      </p:sp>
+      <p:sp>
+        <p:nvSpPr>
+          <p:cNvPr id="167" name="Google Shape;167;p24"/>
+          <p:cNvSpPr txBox="1">
+            <a:spLocks noGrp="1"/>
+          </p:cNvSpPr>
+          <p:nvPr>
+            <p:ph type="body" idx="1"/>
+          </p:nvPr>
+        </p:nvSpPr>
+        <p:spPr>
+          <a:xfrm>
+            <a:off x="311700" y="1911538"/>
+            <a:ext cx="8520600" cy="572700"/>
+          </a:xfrm>
+          <a:prstGeom prst="rect">
+            <a:avLst/>
+          </a:prstGeom>
+        </p:spPr>
+        <p:txBody>
+          <a:bodyPr spcFirstLastPara="1" wrap="square" lIns="91425" tIns="91425" rIns="91425" bIns="91425" anchor="t" anchorCtr="0">
+            <a:noAutofit/>
+          </a:bodyPr>
+          <a:lstStyle/>
+          <a:p>
+            <a:pPr marL="457200" lvl="0" indent="-342900" algn="l" rtl="0">
+              <a:spcBef>
+                <a:spcPts val="0"/>
+              </a:spcBef>
+              <a:spcAft>
+                <a:spcPts val="0"/>
+              </a:spcAft>
+              <a:buSzPts val="1800"/>
+              <a:buChar char="●"/>
+            </a:pPr>
+            <a:r>
+              <a:rPr lang="en-CA" dirty="0"/>
+              <a:t>W</a:t>
+            </a:r>
+            <a:r>
+              <a:rPr lang="en" dirty="0"/>
+              <a:t>ritten in Python. </a:t>
+            </a:r>
+            <a:r>
+              <a:rPr lang="en-CA" dirty="0"/>
+              <a:t>Future versions may include wrappers in other langs.</a:t>
+            </a:r>
+            <a:endParaRPr dirty="0"/>
+          </a:p>
+        </p:txBody>
+      </p:sp>
+      <p:pic>
+        <p:nvPicPr>
+          <p:cNvPr id="8" name="Google Shape;150;p23">
+            <a:extLst>
+              <a:ext uri="{FF2B5EF4-FFF2-40B4-BE49-F238E27FC236}">
+                <a16:creationId xmlns:a16="http://schemas.microsoft.com/office/drawing/2014/main" id="{6C958B57-C3F6-42C5-8A2D-A0D0C0644494}"/>
+              </a:ext>
+            </a:extLst>
+          </p:cNvPr>
+          <p:cNvPicPr preferRelativeResize="0"/>
+          <p:nvPr/>
+        </p:nvPicPr>
+        <p:blipFill>
+          <a:blip r:embed="rId4">
+            <a:alphaModFix/>
+          </a:blip>
+          <a:stretch>
+            <a:fillRect/>
+          </a:stretch>
+        </p:blipFill>
+        <p:spPr>
+          <a:xfrm>
+            <a:off x="7585712" y="127725"/>
+            <a:ext cx="1415413" cy="172500"/>
+          </a:xfrm>
+          <a:prstGeom prst="rect">
+            <a:avLst/>
+          </a:prstGeom>
+          <a:noFill/>
+          <a:ln>
+            <a:noFill/>
+          </a:ln>
+        </p:spPr>
+      </p:pic>
+    </p:spTree>
+  </p:cSld>
+  <p:clrMapOvr>
+    <a:masterClrMapping/>
+  </p:clrMapOvr>
+</p:sld>
+</file>
+
+<file path=ppt/slides/slide17.xml><?xml version="1.0" encoding="utf-8"?>
+<p:sld xmlns:a="http://schemas.openxmlformats.org/drawingml/2006/main" xmlns:r="http://schemas.openxmlformats.org/officeDocument/2006/relationships" xmlns:p="http://schemas.openxmlformats.org/presentationml/2006/main">
+  <p:cSld>
+    <p:spTree>
+      <p:nvGrpSpPr>
+        <p:cNvPr id="1" name="Shape 161"/>
+        <p:cNvGrpSpPr/>
+        <p:nvPr/>
+      </p:nvGrpSpPr>
+      <p:grpSpPr>
+        <a:xfrm>
+          <a:off x="0" y="0"/>
+          <a:ext cx="0" cy="0"/>
+          <a:chOff x="0" y="0"/>
+          <a:chExt cx="0" cy="0"/>
+        </a:xfrm>
+      </p:grpSpPr>
+      <p:sp>
+        <p:nvSpPr>
+          <p:cNvPr id="162" name="Google Shape;162;p24"/>
+          <p:cNvSpPr txBox="1">
+            <a:spLocks noGrp="1"/>
+          </p:cNvSpPr>
+          <p:nvPr>
+            <p:ph type="title"/>
+          </p:nvPr>
+        </p:nvSpPr>
+        <p:spPr>
+          <a:xfrm>
+            <a:off x="311700" y="521225"/>
+            <a:ext cx="8520600" cy="572700"/>
+          </a:xfrm>
+          <a:prstGeom prst="rect">
+            <a:avLst/>
+          </a:prstGeom>
+        </p:spPr>
+        <p:txBody>
+          <a:bodyPr spcFirstLastPara="1" wrap="square" lIns="91425" tIns="91425" rIns="91425" bIns="91425" anchor="t" anchorCtr="0">
+            <a:noAutofit/>
+          </a:bodyPr>
+          <a:lstStyle/>
+          <a:p>
+            <a:pPr marL="0" lvl="0" indent="0" algn="l" rtl="0">
+              <a:spcBef>
+                <a:spcPts val="0"/>
+              </a:spcBef>
+              <a:spcAft>
+                <a:spcPts val="0"/>
+              </a:spcAft>
+              <a:buNone/>
+            </a:pPr>
+            <a:r>
               <a:rPr lang="en-CA" dirty="0"/>
               <a:t>Who should use PyCaret?</a:t>
             </a:r>
@@ -11514,6 +11885,40 @@
           </a:p>
         </p:txBody>
       </p:sp>
+      <p:pic>
+        <p:nvPicPr>
+          <p:cNvPr id="9" name="Google Shape;150;p23">
+            <a:extLst>
+              <a:ext uri="{FF2B5EF4-FFF2-40B4-BE49-F238E27FC236}">
+                <a16:creationId xmlns:a16="http://schemas.microsoft.com/office/drawing/2014/main" id="{9A000658-E03B-439E-BB72-338DC901DFE6}"/>
+              </a:ext>
+            </a:extLst>
+          </p:cNvPr>
+          <p:cNvPicPr preferRelativeResize="0"/>
+          <p:nvPr/>
+        </p:nvPicPr>
+        <p:blipFill>
+          <a:blip r:embed="rId3">
+            <a:alphaModFix/>
+          </a:blip>
+          <a:stretch>
+            <a:fillRect/>
+          </a:stretch>
+        </p:blipFill>
+        <p:spPr>
+          <a:xfrm>
+            <a:off x="7585712" y="127725"/>
+            <a:ext cx="1415413" cy="172500"/>
+          </a:xfrm>
+          <a:prstGeom prst="rect">
+            <a:avLst/>
+          </a:prstGeom>
+          <a:noFill/>
+          <a:ln>
+            <a:noFill/>
+          </a:ln>
+        </p:spPr>
+      </p:pic>
     </p:spTree>
     <p:extLst>
       <p:ext uri="{BB962C8B-B14F-4D97-AF65-F5344CB8AC3E}">
@@ -11527,7 +11932,7 @@
 </p:sld>
 </file>
 
-<file path=ppt/slides/slide17.xml><?xml version="1.0" encoding="utf-8"?>
+<file path=ppt/slides/slide18.xml><?xml version="1.0" encoding="utf-8"?>
 <p:sld xmlns:a="http://schemas.openxmlformats.org/drawingml/2006/main" xmlns:r="http://schemas.openxmlformats.org/officeDocument/2006/relationships" xmlns:p="http://schemas.openxmlformats.org/presentationml/2006/main">
   <p:cSld>
     <p:spTree>
@@ -11930,6 +12335,40 @@
           </a:p>
         </p:txBody>
       </p:sp>
+      <p:pic>
+        <p:nvPicPr>
+          <p:cNvPr id="11" name="Google Shape;150;p23">
+            <a:extLst>
+              <a:ext uri="{FF2B5EF4-FFF2-40B4-BE49-F238E27FC236}">
+                <a16:creationId xmlns:a16="http://schemas.microsoft.com/office/drawing/2014/main" id="{B8115B59-C77B-4A21-9EF5-F1DBD8CF89D3}"/>
+              </a:ext>
+            </a:extLst>
+          </p:cNvPr>
+          <p:cNvPicPr preferRelativeResize="0"/>
+          <p:nvPr/>
+        </p:nvPicPr>
+        <p:blipFill>
+          <a:blip r:embed="rId3">
+            <a:alphaModFix/>
+          </a:blip>
+          <a:stretch>
+            <a:fillRect/>
+          </a:stretch>
+        </p:blipFill>
+        <p:spPr>
+          <a:xfrm>
+            <a:off x="7585712" y="127725"/>
+            <a:ext cx="1415413" cy="172500"/>
+          </a:xfrm>
+          <a:prstGeom prst="rect">
+            <a:avLst/>
+          </a:prstGeom>
+          <a:noFill/>
+          <a:ln>
+            <a:noFill/>
+          </a:ln>
+        </p:spPr>
+      </p:pic>
     </p:spTree>
   </p:cSld>
   <p:clrMapOvr>
@@ -11938,7 +12377,7 @@
 </p:sld>
 </file>
 
-<file path=ppt/slides/slide18.xml><?xml version="1.0" encoding="utf-8"?>
+<file path=ppt/slides/slide19.xml><?xml version="1.0" encoding="utf-8"?>
 <p:sld xmlns:a="http://schemas.openxmlformats.org/drawingml/2006/main" xmlns:r="http://schemas.openxmlformats.org/officeDocument/2006/relationships" xmlns:p="http://schemas.openxmlformats.org/presentationml/2006/main">
   <p:cSld>
     <p:spTree>
@@ -12479,6 +12918,40 @@
           </a:p>
         </p:txBody>
       </p:sp>
+      <p:pic>
+        <p:nvPicPr>
+          <p:cNvPr id="8" name="Google Shape;150;p23">
+            <a:extLst>
+              <a:ext uri="{FF2B5EF4-FFF2-40B4-BE49-F238E27FC236}">
+                <a16:creationId xmlns:a16="http://schemas.microsoft.com/office/drawing/2014/main" id="{C5915299-DD17-4BDC-ACC7-E0F218150B3A}"/>
+              </a:ext>
+            </a:extLst>
+          </p:cNvPr>
+          <p:cNvPicPr preferRelativeResize="0"/>
+          <p:nvPr/>
+        </p:nvPicPr>
+        <p:blipFill>
+          <a:blip r:embed="rId3">
+            <a:alphaModFix/>
+          </a:blip>
+          <a:stretch>
+            <a:fillRect/>
+          </a:stretch>
+        </p:blipFill>
+        <p:spPr>
+          <a:xfrm>
+            <a:off x="7585712" y="127725"/>
+            <a:ext cx="1415413" cy="172500"/>
+          </a:xfrm>
+          <a:prstGeom prst="rect">
+            <a:avLst/>
+          </a:prstGeom>
+          <a:noFill/>
+          <a:ln>
+            <a:noFill/>
+          </a:ln>
+        </p:spPr>
+      </p:pic>
     </p:spTree>
   </p:cSld>
   <p:clrMapOvr>
@@ -12487,7 +12960,478 @@
 </p:sld>
 </file>
 
-<file path=ppt/slides/slide19.xml><?xml version="1.0" encoding="utf-8"?>
+<file path=ppt/slides/slide2.xml><?xml version="1.0" encoding="utf-8"?>
+<p:sld xmlns:a="http://schemas.openxmlformats.org/drawingml/2006/main" xmlns:r="http://schemas.openxmlformats.org/officeDocument/2006/relationships" xmlns:p="http://schemas.openxmlformats.org/presentationml/2006/main">
+  <p:cSld>
+    <p:spTree>
+      <p:nvGrpSpPr>
+        <p:cNvPr id="1" name=""/>
+        <p:cNvGrpSpPr/>
+        <p:nvPr/>
+      </p:nvGrpSpPr>
+      <p:grpSpPr>
+        <a:xfrm>
+          <a:off x="0" y="0"/>
+          <a:ext cx="0" cy="0"/>
+          <a:chOff x="0" y="0"/>
+          <a:chExt cx="0" cy="0"/>
+        </a:xfrm>
+      </p:grpSpPr>
+      <p:sp>
+        <p:nvSpPr>
+          <p:cNvPr id="2" name="Title 1">
+            <a:extLst>
+              <a:ext uri="{FF2B5EF4-FFF2-40B4-BE49-F238E27FC236}">
+                <a16:creationId xmlns:a16="http://schemas.microsoft.com/office/drawing/2014/main" id="{A45770D7-6431-455D-B9AE-FD211518C400}"/>
+              </a:ext>
+            </a:extLst>
+          </p:cNvPr>
+          <p:cNvSpPr>
+            <a:spLocks noGrp="1"/>
+          </p:cNvSpPr>
+          <p:nvPr>
+            <p:ph type="title"/>
+          </p:nvPr>
+        </p:nvSpPr>
+        <p:spPr>
+          <a:xfrm>
+            <a:off x="211688" y="279188"/>
+            <a:ext cx="8520600" cy="628068"/>
+          </a:xfrm>
+        </p:spPr>
+        <p:txBody>
+          <a:bodyPr/>
+          <a:lstStyle/>
+          <a:p>
+            <a:pPr algn="l"/>
+            <a:r>
+              <a:rPr lang="en-CA" dirty="0"/>
+              <a:t>About myself</a:t>
+            </a:r>
+          </a:p>
+        </p:txBody>
+      </p:sp>
+      <p:pic>
+        <p:nvPicPr>
+          <p:cNvPr id="7" name="Picture 6" descr="A close up of a person&#10;&#10;Description automatically generated">
+            <a:extLst>
+              <a:ext uri="{FF2B5EF4-FFF2-40B4-BE49-F238E27FC236}">
+                <a16:creationId xmlns:a16="http://schemas.microsoft.com/office/drawing/2014/main" id="{89A4A56F-0271-41A9-9063-C674F37103AB}"/>
+              </a:ext>
+            </a:extLst>
+          </p:cNvPr>
+          <p:cNvPicPr>
+            <a:picLocks noChangeAspect="1"/>
+          </p:cNvPicPr>
+          <p:nvPr/>
+        </p:nvPicPr>
+        <p:blipFill>
+          <a:blip r:embed="rId2"/>
+          <a:stretch>
+            <a:fillRect/>
+          </a:stretch>
+        </p:blipFill>
+        <p:spPr>
+          <a:xfrm>
+            <a:off x="7947781" y="279188"/>
+            <a:ext cx="1048823" cy="1070981"/>
+          </a:xfrm>
+          <a:prstGeom prst="rect">
+            <a:avLst/>
+          </a:prstGeom>
+        </p:spPr>
+      </p:pic>
+      <p:sp>
+        <p:nvSpPr>
+          <p:cNvPr id="8" name="TextBox 7">
+            <a:extLst>
+              <a:ext uri="{FF2B5EF4-FFF2-40B4-BE49-F238E27FC236}">
+                <a16:creationId xmlns:a16="http://schemas.microsoft.com/office/drawing/2014/main" id="{A0C2AC5B-CD16-4FBB-8763-2EB9B4D781FE}"/>
+              </a:ext>
+            </a:extLst>
+          </p:cNvPr>
+          <p:cNvSpPr txBox="1"/>
+          <p:nvPr/>
+        </p:nvSpPr>
+        <p:spPr>
+          <a:xfrm>
+            <a:off x="233119" y="1190343"/>
+            <a:ext cx="7486650" cy="2246769"/>
+          </a:xfrm>
+          <a:prstGeom prst="rect">
+            <a:avLst/>
+          </a:prstGeom>
+          <a:noFill/>
+        </p:spPr>
+        <p:txBody>
+          <a:bodyPr wrap="square" rtlCol="0">
+            <a:spAutoFit/>
+          </a:bodyPr>
+          <a:lstStyle/>
+          <a:p>
+            <a:pPr marL="285750" indent="-285750">
+              <a:buFont typeface="Arial" panose="020B0604020202020204" pitchFamily="34" charset="0"/>
+              <a:buChar char="•"/>
+            </a:pPr>
+            <a:r>
+              <a:rPr lang="en-CA" dirty="0"/>
+              <a:t>Data Analytics Leader by day and passionate Data Scientist by night</a:t>
+            </a:r>
+          </a:p>
+          <a:p>
+            <a:pPr marL="285750" indent="-285750">
+              <a:buFont typeface="Arial" panose="020B0604020202020204" pitchFamily="34" charset="0"/>
+              <a:buChar char="•"/>
+            </a:pPr>
+            <a:endParaRPr lang="en-CA" dirty="0"/>
+          </a:p>
+          <a:p>
+            <a:pPr marL="285750" indent="-285750">
+              <a:buFont typeface="Arial" panose="020B0604020202020204" pitchFamily="34" charset="0"/>
+              <a:buChar char="•"/>
+            </a:pPr>
+            <a:r>
+              <a:rPr lang="en-CA" dirty="0"/>
+              <a:t>Active open-source contributor</a:t>
+            </a:r>
+          </a:p>
+          <a:p>
+            <a:pPr marL="285750" indent="-285750">
+              <a:buFont typeface="Arial" panose="020B0604020202020204" pitchFamily="34" charset="0"/>
+              <a:buChar char="•"/>
+            </a:pPr>
+            <a:endParaRPr lang="en-CA" dirty="0"/>
+          </a:p>
+          <a:p>
+            <a:pPr marL="285750" indent="-285750">
+              <a:buFont typeface="Arial" panose="020B0604020202020204" pitchFamily="34" charset="0"/>
+              <a:buChar char="•"/>
+            </a:pPr>
+            <a:r>
+              <a:rPr lang="en-CA" dirty="0"/>
+              <a:t>Member of CPA, CMA, Canada and ACMA, UK CGMA </a:t>
+            </a:r>
+          </a:p>
+          <a:p>
+            <a:pPr marL="285750" indent="-285750">
+              <a:buFont typeface="Arial" panose="020B0604020202020204" pitchFamily="34" charset="0"/>
+              <a:buChar char="•"/>
+            </a:pPr>
+            <a:endParaRPr lang="en-CA" dirty="0"/>
+          </a:p>
+          <a:p>
+            <a:pPr marL="285750" indent="-285750">
+              <a:buFont typeface="Arial" panose="020B0604020202020204" pitchFamily="34" charset="0"/>
+              <a:buChar char="•"/>
+            </a:pPr>
+            <a:r>
+              <a:rPr lang="en-CA" dirty="0"/>
+              <a:t>Lived and worked in Asia, Middle East, East Africa, North America</a:t>
+            </a:r>
+          </a:p>
+          <a:p>
+            <a:pPr marL="285750" indent="-285750">
+              <a:buFont typeface="Arial" panose="020B0604020202020204" pitchFamily="34" charset="0"/>
+              <a:buChar char="•"/>
+            </a:pPr>
+            <a:endParaRPr lang="en-CA" dirty="0"/>
+          </a:p>
+          <a:p>
+            <a:pPr marL="285750" indent="-285750">
+              <a:buFont typeface="Arial" panose="020B0604020202020204" pitchFamily="34" charset="0"/>
+              <a:buChar char="•"/>
+            </a:pPr>
+            <a:r>
+              <a:rPr lang="en-CA" dirty="0"/>
+              <a:t>Currently based in Toronto, Canada</a:t>
+            </a:r>
+          </a:p>
+          <a:p>
+            <a:endParaRPr lang="en-CA" dirty="0"/>
+          </a:p>
+        </p:txBody>
+      </p:sp>
+      <p:sp>
+        <p:nvSpPr>
+          <p:cNvPr id="9" name="Rectangle 8">
+            <a:extLst>
+              <a:ext uri="{FF2B5EF4-FFF2-40B4-BE49-F238E27FC236}">
+                <a16:creationId xmlns:a16="http://schemas.microsoft.com/office/drawing/2014/main" id="{963ED692-BFED-43BE-8C81-1974DF099332}"/>
+              </a:ext>
+            </a:extLst>
+          </p:cNvPr>
+          <p:cNvSpPr/>
+          <p:nvPr/>
+        </p:nvSpPr>
+        <p:spPr>
+          <a:xfrm>
+            <a:off x="885599" y="3736685"/>
+            <a:ext cx="3429144" cy="307777"/>
+          </a:xfrm>
+          <a:prstGeom prst="rect">
+            <a:avLst/>
+          </a:prstGeom>
+        </p:spPr>
+        <p:txBody>
+          <a:bodyPr wrap="none">
+            <a:spAutoFit/>
+          </a:bodyPr>
+          <a:lstStyle/>
+          <a:p>
+            <a:r>
+              <a:rPr lang="en-CA" dirty="0">
+                <a:hlinkClick r:id="rId3"/>
+              </a:rPr>
+              <a:t>https://www.linkedin.com/in/profile-moez/</a:t>
+            </a:r>
+            <a:endParaRPr lang="en-CA" dirty="0"/>
+          </a:p>
+        </p:txBody>
+      </p:sp>
+      <p:pic>
+        <p:nvPicPr>
+          <p:cNvPr id="11" name="Picture 10" descr="A picture containing drawing&#10;&#10;Description automatically generated">
+            <a:extLst>
+              <a:ext uri="{FF2B5EF4-FFF2-40B4-BE49-F238E27FC236}">
+                <a16:creationId xmlns:a16="http://schemas.microsoft.com/office/drawing/2014/main" id="{B86475EB-F33B-4A3F-B8D3-A8FD751278E0}"/>
+              </a:ext>
+            </a:extLst>
+          </p:cNvPr>
+          <p:cNvPicPr>
+            <a:picLocks noChangeAspect="1"/>
+          </p:cNvPicPr>
+          <p:nvPr/>
+        </p:nvPicPr>
+        <p:blipFill>
+          <a:blip r:embed="rId4"/>
+          <a:stretch>
+            <a:fillRect/>
+          </a:stretch>
+        </p:blipFill>
+        <p:spPr>
+          <a:xfrm>
+            <a:off x="233119" y="3728442"/>
+            <a:ext cx="586242" cy="307777"/>
+          </a:xfrm>
+          <a:prstGeom prst="rect">
+            <a:avLst/>
+          </a:prstGeom>
+        </p:spPr>
+      </p:pic>
+      <p:pic>
+        <p:nvPicPr>
+          <p:cNvPr id="13" name="Picture 12">
+            <a:extLst>
+              <a:ext uri="{FF2B5EF4-FFF2-40B4-BE49-F238E27FC236}">
+                <a16:creationId xmlns:a16="http://schemas.microsoft.com/office/drawing/2014/main" id="{E1636C95-F555-466D-9ECF-054D162971C8}"/>
+              </a:ext>
+            </a:extLst>
+          </p:cNvPr>
+          <p:cNvPicPr>
+            <a:picLocks noChangeAspect="1"/>
+          </p:cNvPicPr>
+          <p:nvPr/>
+        </p:nvPicPr>
+        <p:blipFill>
+          <a:blip r:embed="rId5"/>
+          <a:srcRect/>
+          <a:stretch/>
+        </p:blipFill>
+        <p:spPr>
+          <a:xfrm flipH="1">
+            <a:off x="346560" y="4140801"/>
+            <a:ext cx="359359" cy="358640"/>
+          </a:xfrm>
+          <a:prstGeom prst="rect">
+            <a:avLst/>
+          </a:prstGeom>
+        </p:spPr>
+      </p:pic>
+      <p:sp>
+        <p:nvSpPr>
+          <p:cNvPr id="14" name="Rectangle 13">
+            <a:extLst>
+              <a:ext uri="{FF2B5EF4-FFF2-40B4-BE49-F238E27FC236}">
+                <a16:creationId xmlns:a16="http://schemas.microsoft.com/office/drawing/2014/main" id="{61AD6D18-6B39-4821-969E-CBD54FF2EE22}"/>
+              </a:ext>
+            </a:extLst>
+          </p:cNvPr>
+          <p:cNvSpPr/>
+          <p:nvPr/>
+        </p:nvSpPr>
+        <p:spPr>
+          <a:xfrm>
+            <a:off x="885599" y="4166233"/>
+            <a:ext cx="3018775" cy="307777"/>
+          </a:xfrm>
+          <a:prstGeom prst="rect">
+            <a:avLst/>
+          </a:prstGeom>
+        </p:spPr>
+        <p:txBody>
+          <a:bodyPr wrap="none">
+            <a:spAutoFit/>
+          </a:bodyPr>
+          <a:lstStyle/>
+          <a:p>
+            <a:r>
+              <a:rPr lang="en-CA" dirty="0">
+                <a:hlinkClick r:id="rId6"/>
+              </a:rPr>
+              <a:t>https://twitter.com/moezpycaretorg1</a:t>
+            </a:r>
+            <a:endParaRPr lang="en-CA" dirty="0"/>
+          </a:p>
+        </p:txBody>
+      </p:sp>
+      <p:pic>
+        <p:nvPicPr>
+          <p:cNvPr id="17" name="Picture 16">
+            <a:extLst>
+              <a:ext uri="{FF2B5EF4-FFF2-40B4-BE49-F238E27FC236}">
+                <a16:creationId xmlns:a16="http://schemas.microsoft.com/office/drawing/2014/main" id="{ED7E2016-CDC3-427A-97F1-87FFA46165A1}"/>
+              </a:ext>
+            </a:extLst>
+          </p:cNvPr>
+          <p:cNvPicPr>
+            <a:picLocks noChangeAspect="1"/>
+          </p:cNvPicPr>
+          <p:nvPr/>
+        </p:nvPicPr>
+        <p:blipFill>
+          <a:blip r:embed="rId7"/>
+          <a:stretch>
+            <a:fillRect/>
+          </a:stretch>
+        </p:blipFill>
+        <p:spPr>
+          <a:xfrm>
+            <a:off x="4577377" y="3823638"/>
+            <a:ext cx="586242" cy="163257"/>
+          </a:xfrm>
+          <a:prstGeom prst="rect">
+            <a:avLst/>
+          </a:prstGeom>
+        </p:spPr>
+      </p:pic>
+      <p:sp>
+        <p:nvSpPr>
+          <p:cNvPr id="18" name="Rectangle 17">
+            <a:extLst>
+              <a:ext uri="{FF2B5EF4-FFF2-40B4-BE49-F238E27FC236}">
+                <a16:creationId xmlns:a16="http://schemas.microsoft.com/office/drawing/2014/main" id="{2001313C-376C-44E9-8B0D-8E76E7E6E94F}"/>
+              </a:ext>
+            </a:extLst>
+          </p:cNvPr>
+          <p:cNvSpPr/>
+          <p:nvPr/>
+        </p:nvSpPr>
+        <p:spPr>
+          <a:xfrm>
+            <a:off x="5343299" y="3728442"/>
+            <a:ext cx="3062057" cy="307777"/>
+          </a:xfrm>
+          <a:prstGeom prst="rect">
+            <a:avLst/>
+          </a:prstGeom>
+        </p:spPr>
+        <p:txBody>
+          <a:bodyPr wrap="none">
+            <a:spAutoFit/>
+          </a:bodyPr>
+          <a:lstStyle/>
+          <a:p>
+            <a:r>
+              <a:rPr lang="en-CA" dirty="0">
+                <a:hlinkClick r:id="rId8"/>
+              </a:rPr>
+              <a:t>https://medium.com/@moez_62905/</a:t>
+            </a:r>
+            <a:endParaRPr lang="en-CA" dirty="0"/>
+          </a:p>
+        </p:txBody>
+      </p:sp>
+      <p:pic>
+        <p:nvPicPr>
+          <p:cNvPr id="20" name="Picture 19" descr="A picture containing clock&#10;&#10;Description automatically generated">
+            <a:extLst>
+              <a:ext uri="{FF2B5EF4-FFF2-40B4-BE49-F238E27FC236}">
+                <a16:creationId xmlns:a16="http://schemas.microsoft.com/office/drawing/2014/main" id="{C8CD2394-B976-4F83-8B85-2FA9951C8B3F}"/>
+              </a:ext>
+            </a:extLst>
+          </p:cNvPr>
+          <p:cNvPicPr>
+            <a:picLocks noChangeAspect="1"/>
+          </p:cNvPicPr>
+          <p:nvPr/>
+        </p:nvPicPr>
+        <p:blipFill>
+          <a:blip r:embed="rId9"/>
+          <a:stretch>
+            <a:fillRect/>
+          </a:stretch>
+        </p:blipFill>
+        <p:spPr>
+          <a:xfrm>
+            <a:off x="4624580" y="4044462"/>
+            <a:ext cx="335756" cy="335756"/>
+          </a:xfrm>
+          <a:prstGeom prst="rect">
+            <a:avLst/>
+          </a:prstGeom>
+        </p:spPr>
+      </p:pic>
+      <p:sp>
+        <p:nvSpPr>
+          <p:cNvPr id="22" name="Rectangle 21">
+            <a:extLst>
+              <a:ext uri="{FF2B5EF4-FFF2-40B4-BE49-F238E27FC236}">
+                <a16:creationId xmlns:a16="http://schemas.microsoft.com/office/drawing/2014/main" id="{BDA01FB2-E014-42AE-AE53-DEE6022F4DFA}"/>
+              </a:ext>
+            </a:extLst>
+          </p:cNvPr>
+          <p:cNvSpPr/>
+          <p:nvPr/>
+        </p:nvSpPr>
+        <p:spPr>
+          <a:xfrm>
+            <a:off x="5343299" y="4054968"/>
+            <a:ext cx="1699504" cy="307777"/>
+          </a:xfrm>
+          <a:prstGeom prst="rect">
+            <a:avLst/>
+          </a:prstGeom>
+        </p:spPr>
+        <p:txBody>
+          <a:bodyPr wrap="none">
+            <a:spAutoFit/>
+          </a:bodyPr>
+          <a:lstStyle/>
+          <a:p>
+            <a:r>
+              <a:rPr lang="en-CA" dirty="0">
+                <a:hlinkClick r:id="rId10"/>
+              </a:rPr>
+              <a:t>moez@pycaret.org</a:t>
+            </a:r>
+            <a:endParaRPr lang="en-CA" dirty="0"/>
+          </a:p>
+        </p:txBody>
+      </p:sp>
+    </p:spTree>
+    <p:extLst>
+      <p:ext uri="{BB962C8B-B14F-4D97-AF65-F5344CB8AC3E}">
+        <p14:creationId xmlns:p14="http://schemas.microsoft.com/office/powerpoint/2010/main" val="3936167577"/>
+      </p:ext>
+    </p:extLst>
+  </p:cSld>
+  <p:clrMapOvr>
+    <a:masterClrMapping/>
+  </p:clrMapOvr>
+</p:sld>
+</file>
+
+<file path=ppt/slides/slide20.xml><?xml version="1.0" encoding="utf-8"?>
 <p:sld xmlns:a="http://schemas.openxmlformats.org/drawingml/2006/main" xmlns:r="http://schemas.openxmlformats.org/officeDocument/2006/relationships" xmlns:p="http://schemas.openxmlformats.org/presentationml/2006/main">
   <p:cSld>
     <p:spTree>
@@ -12977,6 +13921,40 @@
           </a:p>
         </p:txBody>
       </p:sp>
+      <p:pic>
+        <p:nvPicPr>
+          <p:cNvPr id="7" name="Google Shape;150;p23">
+            <a:extLst>
+              <a:ext uri="{FF2B5EF4-FFF2-40B4-BE49-F238E27FC236}">
+                <a16:creationId xmlns:a16="http://schemas.microsoft.com/office/drawing/2014/main" id="{22BD25F4-EA7A-4B88-B119-BA6A728066C1}"/>
+              </a:ext>
+            </a:extLst>
+          </p:cNvPr>
+          <p:cNvPicPr preferRelativeResize="0"/>
+          <p:nvPr/>
+        </p:nvPicPr>
+        <p:blipFill>
+          <a:blip r:embed="rId8">
+            <a:alphaModFix/>
+          </a:blip>
+          <a:stretch>
+            <a:fillRect/>
+          </a:stretch>
+        </p:blipFill>
+        <p:spPr>
+          <a:xfrm>
+            <a:off x="7585712" y="127725"/>
+            <a:ext cx="1415413" cy="172500"/>
+          </a:xfrm>
+          <a:prstGeom prst="rect">
+            <a:avLst/>
+          </a:prstGeom>
+          <a:noFill/>
+          <a:ln>
+            <a:noFill/>
+          </a:ln>
+        </p:spPr>
+      </p:pic>
     </p:spTree>
   </p:cSld>
   <p:clrMapOvr>
@@ -12985,478 +13963,7 @@
 </p:sld>
 </file>
 
-<file path=ppt/slides/slide2.xml><?xml version="1.0" encoding="utf-8"?>
-<p:sld xmlns:a="http://schemas.openxmlformats.org/drawingml/2006/main" xmlns:r="http://schemas.openxmlformats.org/officeDocument/2006/relationships" xmlns:p="http://schemas.openxmlformats.org/presentationml/2006/main">
-  <p:cSld>
-    <p:spTree>
-      <p:nvGrpSpPr>
-        <p:cNvPr id="1" name=""/>
-        <p:cNvGrpSpPr/>
-        <p:nvPr/>
-      </p:nvGrpSpPr>
-      <p:grpSpPr>
-        <a:xfrm>
-          <a:off x="0" y="0"/>
-          <a:ext cx="0" cy="0"/>
-          <a:chOff x="0" y="0"/>
-          <a:chExt cx="0" cy="0"/>
-        </a:xfrm>
-      </p:grpSpPr>
-      <p:sp>
-        <p:nvSpPr>
-          <p:cNvPr id="2" name="Title 1">
-            <a:extLst>
-              <a:ext uri="{FF2B5EF4-FFF2-40B4-BE49-F238E27FC236}">
-                <a16:creationId xmlns:a16="http://schemas.microsoft.com/office/drawing/2014/main" id="{A45770D7-6431-455D-B9AE-FD211518C400}"/>
-              </a:ext>
-            </a:extLst>
-          </p:cNvPr>
-          <p:cNvSpPr>
-            <a:spLocks noGrp="1"/>
-          </p:cNvSpPr>
-          <p:nvPr>
-            <p:ph type="title"/>
-          </p:nvPr>
-        </p:nvSpPr>
-        <p:spPr>
-          <a:xfrm>
-            <a:off x="211688" y="279188"/>
-            <a:ext cx="8520600" cy="628068"/>
-          </a:xfrm>
-        </p:spPr>
-        <p:txBody>
-          <a:bodyPr/>
-          <a:lstStyle/>
-          <a:p>
-            <a:pPr algn="l"/>
-            <a:r>
-              <a:rPr lang="en-CA" dirty="0"/>
-              <a:t>About myself</a:t>
-            </a:r>
-          </a:p>
-        </p:txBody>
-      </p:sp>
-      <p:pic>
-        <p:nvPicPr>
-          <p:cNvPr id="7" name="Picture 6" descr="A close up of a person&#10;&#10;Description automatically generated">
-            <a:extLst>
-              <a:ext uri="{FF2B5EF4-FFF2-40B4-BE49-F238E27FC236}">
-                <a16:creationId xmlns:a16="http://schemas.microsoft.com/office/drawing/2014/main" id="{89A4A56F-0271-41A9-9063-C674F37103AB}"/>
-              </a:ext>
-            </a:extLst>
-          </p:cNvPr>
-          <p:cNvPicPr>
-            <a:picLocks noChangeAspect="1"/>
-          </p:cNvPicPr>
-          <p:nvPr/>
-        </p:nvPicPr>
-        <p:blipFill>
-          <a:blip r:embed="rId2"/>
-          <a:stretch>
-            <a:fillRect/>
-          </a:stretch>
-        </p:blipFill>
-        <p:spPr>
-          <a:xfrm>
-            <a:off x="7947781" y="279188"/>
-            <a:ext cx="1048823" cy="1070981"/>
-          </a:xfrm>
-          <a:prstGeom prst="rect">
-            <a:avLst/>
-          </a:prstGeom>
-        </p:spPr>
-      </p:pic>
-      <p:sp>
-        <p:nvSpPr>
-          <p:cNvPr id="8" name="TextBox 7">
-            <a:extLst>
-              <a:ext uri="{FF2B5EF4-FFF2-40B4-BE49-F238E27FC236}">
-                <a16:creationId xmlns:a16="http://schemas.microsoft.com/office/drawing/2014/main" id="{A0C2AC5B-CD16-4FBB-8763-2EB9B4D781FE}"/>
-              </a:ext>
-            </a:extLst>
-          </p:cNvPr>
-          <p:cNvSpPr txBox="1"/>
-          <p:nvPr/>
-        </p:nvSpPr>
-        <p:spPr>
-          <a:xfrm>
-            <a:off x="233119" y="1190343"/>
-            <a:ext cx="7486650" cy="2246769"/>
-          </a:xfrm>
-          <a:prstGeom prst="rect">
-            <a:avLst/>
-          </a:prstGeom>
-          <a:noFill/>
-        </p:spPr>
-        <p:txBody>
-          <a:bodyPr wrap="square" rtlCol="0">
-            <a:spAutoFit/>
-          </a:bodyPr>
-          <a:lstStyle/>
-          <a:p>
-            <a:pPr marL="285750" indent="-285750">
-              <a:buFont typeface="Arial" panose="020B0604020202020204" pitchFamily="34" charset="0"/>
-              <a:buChar char="•"/>
-            </a:pPr>
-            <a:r>
-              <a:rPr lang="en-CA" dirty="0"/>
-              <a:t>Data Analytics Leader by day and passionate Data Scientist by night</a:t>
-            </a:r>
-          </a:p>
-          <a:p>
-            <a:pPr marL="285750" indent="-285750">
-              <a:buFont typeface="Arial" panose="020B0604020202020204" pitchFamily="34" charset="0"/>
-              <a:buChar char="•"/>
-            </a:pPr>
-            <a:endParaRPr lang="en-CA" dirty="0"/>
-          </a:p>
-          <a:p>
-            <a:pPr marL="285750" indent="-285750">
-              <a:buFont typeface="Arial" panose="020B0604020202020204" pitchFamily="34" charset="0"/>
-              <a:buChar char="•"/>
-            </a:pPr>
-            <a:r>
-              <a:rPr lang="en-CA" dirty="0"/>
-              <a:t>Active open-source contributor</a:t>
-            </a:r>
-          </a:p>
-          <a:p>
-            <a:pPr marL="285750" indent="-285750">
-              <a:buFont typeface="Arial" panose="020B0604020202020204" pitchFamily="34" charset="0"/>
-              <a:buChar char="•"/>
-            </a:pPr>
-            <a:endParaRPr lang="en-CA" dirty="0"/>
-          </a:p>
-          <a:p>
-            <a:pPr marL="285750" indent="-285750">
-              <a:buFont typeface="Arial" panose="020B0604020202020204" pitchFamily="34" charset="0"/>
-              <a:buChar char="•"/>
-            </a:pPr>
-            <a:r>
-              <a:rPr lang="en-CA" dirty="0"/>
-              <a:t>Member of CPA, CMA, Canada and ACMA, UK CGMA </a:t>
-            </a:r>
-          </a:p>
-          <a:p>
-            <a:pPr marL="285750" indent="-285750">
-              <a:buFont typeface="Arial" panose="020B0604020202020204" pitchFamily="34" charset="0"/>
-              <a:buChar char="•"/>
-            </a:pPr>
-            <a:endParaRPr lang="en-CA" dirty="0"/>
-          </a:p>
-          <a:p>
-            <a:pPr marL="285750" indent="-285750">
-              <a:buFont typeface="Arial" panose="020B0604020202020204" pitchFamily="34" charset="0"/>
-              <a:buChar char="•"/>
-            </a:pPr>
-            <a:r>
-              <a:rPr lang="en-CA" dirty="0"/>
-              <a:t>Lived and worked in Asia, Middle East, East Africa, North America</a:t>
-            </a:r>
-          </a:p>
-          <a:p>
-            <a:pPr marL="285750" indent="-285750">
-              <a:buFont typeface="Arial" panose="020B0604020202020204" pitchFamily="34" charset="0"/>
-              <a:buChar char="•"/>
-            </a:pPr>
-            <a:endParaRPr lang="en-CA" dirty="0"/>
-          </a:p>
-          <a:p>
-            <a:pPr marL="285750" indent="-285750">
-              <a:buFont typeface="Arial" panose="020B0604020202020204" pitchFamily="34" charset="0"/>
-              <a:buChar char="•"/>
-            </a:pPr>
-            <a:r>
-              <a:rPr lang="en-CA" dirty="0"/>
-              <a:t>Currently based in Toronto, Canada</a:t>
-            </a:r>
-          </a:p>
-          <a:p>
-            <a:endParaRPr lang="en-CA" dirty="0"/>
-          </a:p>
-        </p:txBody>
-      </p:sp>
-      <p:sp>
-        <p:nvSpPr>
-          <p:cNvPr id="9" name="Rectangle 8">
-            <a:extLst>
-              <a:ext uri="{FF2B5EF4-FFF2-40B4-BE49-F238E27FC236}">
-                <a16:creationId xmlns:a16="http://schemas.microsoft.com/office/drawing/2014/main" id="{963ED692-BFED-43BE-8C81-1974DF099332}"/>
-              </a:ext>
-            </a:extLst>
-          </p:cNvPr>
-          <p:cNvSpPr/>
-          <p:nvPr/>
-        </p:nvSpPr>
-        <p:spPr>
-          <a:xfrm>
-            <a:off x="885599" y="3736685"/>
-            <a:ext cx="3429144" cy="307777"/>
-          </a:xfrm>
-          <a:prstGeom prst="rect">
-            <a:avLst/>
-          </a:prstGeom>
-        </p:spPr>
-        <p:txBody>
-          <a:bodyPr wrap="none">
-            <a:spAutoFit/>
-          </a:bodyPr>
-          <a:lstStyle/>
-          <a:p>
-            <a:r>
-              <a:rPr lang="en-CA" dirty="0">
-                <a:hlinkClick r:id="rId3"/>
-              </a:rPr>
-              <a:t>https://www.linkedin.com/in/profile-moez/</a:t>
-            </a:r>
-            <a:endParaRPr lang="en-CA" dirty="0"/>
-          </a:p>
-        </p:txBody>
-      </p:sp>
-      <p:pic>
-        <p:nvPicPr>
-          <p:cNvPr id="11" name="Picture 10" descr="A picture containing drawing&#10;&#10;Description automatically generated">
-            <a:extLst>
-              <a:ext uri="{FF2B5EF4-FFF2-40B4-BE49-F238E27FC236}">
-                <a16:creationId xmlns:a16="http://schemas.microsoft.com/office/drawing/2014/main" id="{B86475EB-F33B-4A3F-B8D3-A8FD751278E0}"/>
-              </a:ext>
-            </a:extLst>
-          </p:cNvPr>
-          <p:cNvPicPr>
-            <a:picLocks noChangeAspect="1"/>
-          </p:cNvPicPr>
-          <p:nvPr/>
-        </p:nvPicPr>
-        <p:blipFill>
-          <a:blip r:embed="rId4"/>
-          <a:stretch>
-            <a:fillRect/>
-          </a:stretch>
-        </p:blipFill>
-        <p:spPr>
-          <a:xfrm>
-            <a:off x="233119" y="3728442"/>
-            <a:ext cx="586242" cy="307777"/>
-          </a:xfrm>
-          <a:prstGeom prst="rect">
-            <a:avLst/>
-          </a:prstGeom>
-        </p:spPr>
-      </p:pic>
-      <p:pic>
-        <p:nvPicPr>
-          <p:cNvPr id="13" name="Picture 12">
-            <a:extLst>
-              <a:ext uri="{FF2B5EF4-FFF2-40B4-BE49-F238E27FC236}">
-                <a16:creationId xmlns:a16="http://schemas.microsoft.com/office/drawing/2014/main" id="{E1636C95-F555-466D-9ECF-054D162971C8}"/>
-              </a:ext>
-            </a:extLst>
-          </p:cNvPr>
-          <p:cNvPicPr>
-            <a:picLocks noChangeAspect="1"/>
-          </p:cNvPicPr>
-          <p:nvPr/>
-        </p:nvPicPr>
-        <p:blipFill>
-          <a:blip r:embed="rId5"/>
-          <a:srcRect/>
-          <a:stretch/>
-        </p:blipFill>
-        <p:spPr>
-          <a:xfrm flipH="1">
-            <a:off x="346560" y="4140801"/>
-            <a:ext cx="359359" cy="358640"/>
-          </a:xfrm>
-          <a:prstGeom prst="rect">
-            <a:avLst/>
-          </a:prstGeom>
-        </p:spPr>
-      </p:pic>
-      <p:sp>
-        <p:nvSpPr>
-          <p:cNvPr id="14" name="Rectangle 13">
-            <a:extLst>
-              <a:ext uri="{FF2B5EF4-FFF2-40B4-BE49-F238E27FC236}">
-                <a16:creationId xmlns:a16="http://schemas.microsoft.com/office/drawing/2014/main" id="{61AD6D18-6B39-4821-969E-CBD54FF2EE22}"/>
-              </a:ext>
-            </a:extLst>
-          </p:cNvPr>
-          <p:cNvSpPr/>
-          <p:nvPr/>
-        </p:nvSpPr>
-        <p:spPr>
-          <a:xfrm>
-            <a:off x="885599" y="4166233"/>
-            <a:ext cx="3018775" cy="307777"/>
-          </a:xfrm>
-          <a:prstGeom prst="rect">
-            <a:avLst/>
-          </a:prstGeom>
-        </p:spPr>
-        <p:txBody>
-          <a:bodyPr wrap="none">
-            <a:spAutoFit/>
-          </a:bodyPr>
-          <a:lstStyle/>
-          <a:p>
-            <a:r>
-              <a:rPr lang="en-CA" dirty="0">
-                <a:hlinkClick r:id="rId6"/>
-              </a:rPr>
-              <a:t>https://twitter.com/moezpycaretorg1</a:t>
-            </a:r>
-            <a:endParaRPr lang="en-CA" dirty="0"/>
-          </a:p>
-        </p:txBody>
-      </p:sp>
-      <p:pic>
-        <p:nvPicPr>
-          <p:cNvPr id="17" name="Picture 16">
-            <a:extLst>
-              <a:ext uri="{FF2B5EF4-FFF2-40B4-BE49-F238E27FC236}">
-                <a16:creationId xmlns:a16="http://schemas.microsoft.com/office/drawing/2014/main" id="{ED7E2016-CDC3-427A-97F1-87FFA46165A1}"/>
-              </a:ext>
-            </a:extLst>
-          </p:cNvPr>
-          <p:cNvPicPr>
-            <a:picLocks noChangeAspect="1"/>
-          </p:cNvPicPr>
-          <p:nvPr/>
-        </p:nvPicPr>
-        <p:blipFill>
-          <a:blip r:embed="rId7"/>
-          <a:stretch>
-            <a:fillRect/>
-          </a:stretch>
-        </p:blipFill>
-        <p:spPr>
-          <a:xfrm>
-            <a:off x="4577377" y="3823638"/>
-            <a:ext cx="586242" cy="163257"/>
-          </a:xfrm>
-          <a:prstGeom prst="rect">
-            <a:avLst/>
-          </a:prstGeom>
-        </p:spPr>
-      </p:pic>
-      <p:sp>
-        <p:nvSpPr>
-          <p:cNvPr id="18" name="Rectangle 17">
-            <a:extLst>
-              <a:ext uri="{FF2B5EF4-FFF2-40B4-BE49-F238E27FC236}">
-                <a16:creationId xmlns:a16="http://schemas.microsoft.com/office/drawing/2014/main" id="{2001313C-376C-44E9-8B0D-8E76E7E6E94F}"/>
-              </a:ext>
-            </a:extLst>
-          </p:cNvPr>
-          <p:cNvSpPr/>
-          <p:nvPr/>
-        </p:nvSpPr>
-        <p:spPr>
-          <a:xfrm>
-            <a:off x="5343299" y="3728442"/>
-            <a:ext cx="3062057" cy="307777"/>
-          </a:xfrm>
-          <a:prstGeom prst="rect">
-            <a:avLst/>
-          </a:prstGeom>
-        </p:spPr>
-        <p:txBody>
-          <a:bodyPr wrap="none">
-            <a:spAutoFit/>
-          </a:bodyPr>
-          <a:lstStyle/>
-          <a:p>
-            <a:r>
-              <a:rPr lang="en-CA" dirty="0">
-                <a:hlinkClick r:id="rId8"/>
-              </a:rPr>
-              <a:t>https://medium.com/@moez_62905/</a:t>
-            </a:r>
-            <a:endParaRPr lang="en-CA" dirty="0"/>
-          </a:p>
-        </p:txBody>
-      </p:sp>
-      <p:pic>
-        <p:nvPicPr>
-          <p:cNvPr id="20" name="Picture 19" descr="A picture containing clock&#10;&#10;Description automatically generated">
-            <a:extLst>
-              <a:ext uri="{FF2B5EF4-FFF2-40B4-BE49-F238E27FC236}">
-                <a16:creationId xmlns:a16="http://schemas.microsoft.com/office/drawing/2014/main" id="{C8CD2394-B976-4F83-8B85-2FA9951C8B3F}"/>
-              </a:ext>
-            </a:extLst>
-          </p:cNvPr>
-          <p:cNvPicPr>
-            <a:picLocks noChangeAspect="1"/>
-          </p:cNvPicPr>
-          <p:nvPr/>
-        </p:nvPicPr>
-        <p:blipFill>
-          <a:blip r:embed="rId9"/>
-          <a:stretch>
-            <a:fillRect/>
-          </a:stretch>
-        </p:blipFill>
-        <p:spPr>
-          <a:xfrm>
-            <a:off x="4624580" y="4044462"/>
-            <a:ext cx="335756" cy="335756"/>
-          </a:xfrm>
-          <a:prstGeom prst="rect">
-            <a:avLst/>
-          </a:prstGeom>
-        </p:spPr>
-      </p:pic>
-      <p:sp>
-        <p:nvSpPr>
-          <p:cNvPr id="22" name="Rectangle 21">
-            <a:extLst>
-              <a:ext uri="{FF2B5EF4-FFF2-40B4-BE49-F238E27FC236}">
-                <a16:creationId xmlns:a16="http://schemas.microsoft.com/office/drawing/2014/main" id="{BDA01FB2-E014-42AE-AE53-DEE6022F4DFA}"/>
-              </a:ext>
-            </a:extLst>
-          </p:cNvPr>
-          <p:cNvSpPr/>
-          <p:nvPr/>
-        </p:nvSpPr>
-        <p:spPr>
-          <a:xfrm>
-            <a:off x="5343299" y="4054968"/>
-            <a:ext cx="1699504" cy="307777"/>
-          </a:xfrm>
-          <a:prstGeom prst="rect">
-            <a:avLst/>
-          </a:prstGeom>
-        </p:spPr>
-        <p:txBody>
-          <a:bodyPr wrap="none">
-            <a:spAutoFit/>
-          </a:bodyPr>
-          <a:lstStyle/>
-          <a:p>
-            <a:r>
-              <a:rPr lang="en-CA" dirty="0">
-                <a:hlinkClick r:id="rId10"/>
-              </a:rPr>
-              <a:t>moez@pycaret.org</a:t>
-            </a:r>
-            <a:endParaRPr lang="en-CA" dirty="0"/>
-          </a:p>
-        </p:txBody>
-      </p:sp>
-    </p:spTree>
-    <p:extLst>
-      <p:ext uri="{BB962C8B-B14F-4D97-AF65-F5344CB8AC3E}">
-        <p14:creationId xmlns:p14="http://schemas.microsoft.com/office/powerpoint/2010/main" val="3936167577"/>
-      </p:ext>
-    </p:extLst>
-  </p:cSld>
-  <p:clrMapOvr>
-    <a:masterClrMapping/>
-  </p:clrMapOvr>
-</p:sld>
-</file>
-
-<file path=ppt/slides/slide20.xml><?xml version="1.0" encoding="utf-8"?>
+<file path=ppt/slides/slide21.xml><?xml version="1.0" encoding="utf-8"?>
 <p:sld xmlns:a="http://schemas.openxmlformats.org/drawingml/2006/main" xmlns:r="http://schemas.openxmlformats.org/officeDocument/2006/relationships" xmlns:p="http://schemas.openxmlformats.org/presentationml/2006/main">
   <p:cSld>
     <p:spTree>
@@ -13557,6 +14064,40 @@
           </a:p>
         </p:txBody>
       </p:sp>
+      <p:pic>
+        <p:nvPicPr>
+          <p:cNvPr id="4" name="Google Shape;150;p23">
+            <a:extLst>
+              <a:ext uri="{FF2B5EF4-FFF2-40B4-BE49-F238E27FC236}">
+                <a16:creationId xmlns:a16="http://schemas.microsoft.com/office/drawing/2014/main" id="{988ACAF2-62A0-44A0-9C0F-9B93F08FAEDE}"/>
+              </a:ext>
+            </a:extLst>
+          </p:cNvPr>
+          <p:cNvPicPr preferRelativeResize="0"/>
+          <p:nvPr/>
+        </p:nvPicPr>
+        <p:blipFill>
+          <a:blip r:embed="rId3">
+            <a:alphaModFix/>
+          </a:blip>
+          <a:stretch>
+            <a:fillRect/>
+          </a:stretch>
+        </p:blipFill>
+        <p:spPr>
+          <a:xfrm>
+            <a:off x="7585712" y="127725"/>
+            <a:ext cx="1415413" cy="172500"/>
+          </a:xfrm>
+          <a:prstGeom prst="rect">
+            <a:avLst/>
+          </a:prstGeom>
+          <a:noFill/>
+          <a:ln>
+            <a:noFill/>
+          </a:ln>
+        </p:spPr>
+      </p:pic>
     </p:spTree>
   </p:cSld>
   <p:clrMapOvr>
@@ -13774,7 +14315,7 @@
                   <a:srgbClr val="FFFF00"/>
                 </a:highlight>
               </a:rPr>
-              <a:t>Presentation and Demo : </a:t>
+              <a:t>Today’s Presentation and Demo : </a:t>
             </a:r>
             <a:r>
               <a:rPr lang="en-CA" sz="1800" dirty="0">
@@ -14623,7 +15164,7 @@
           <a:p>
             <a:r>
               <a:rPr lang="en-CA" dirty="0"/>
-              <a:t>Resources (cont.)</a:t>
+              <a:t>Resources (cont.) – Official Video Tutorials</a:t>
             </a:r>
           </a:p>
         </p:txBody>
@@ -14656,11 +15197,7 @@
           <a:p>
             <a:r>
               <a:rPr lang="en-US" sz="1600" dirty="0"/>
-              <a:t>Machine Learning in SQL by </a:t>
-            </a:r>
-            <a:r>
-              <a:rPr lang="en-US" sz="1600" i="1" dirty="0"/>
-              <a:t>Umar Farooque</a:t>
+              <a:t>Binary Classification Video Tutorial</a:t>
             </a:r>
             <a:endParaRPr lang="en-US" i="1" dirty="0"/>
           </a:p>
@@ -14672,7 +15209,7 @@
               <a:rPr lang="en-CA" sz="1200" dirty="0">
                 <a:hlinkClick r:id="rId2"/>
               </a:rPr>
-              <a:t>https://towardsdatascience.com/machine-learning-in-sql-using-pycaret-87aff377d90c</a:t>
+              <a:t>https://www.youtube.com/watch?v=2xAgLKUN6Xs</a:t>
             </a:r>
             <a:endParaRPr lang="en-CA" sz="1200" dirty="0"/>
           </a:p>
@@ -14685,11 +15222,7 @@
           <a:p>
             <a:r>
               <a:rPr lang="en-US" sz="1600" dirty="0"/>
-              <a:t>PyCaret’s integration with Tableau by </a:t>
-            </a:r>
-            <a:r>
-              <a:rPr lang="en-US" sz="1600" i="1" dirty="0"/>
-              <a:t>Andrew Cowan-Nagora</a:t>
+              <a:t>Clustering in PyCaret Video Tutorial</a:t>
             </a:r>
             <a:endParaRPr lang="en-US" i="1" dirty="0"/>
           </a:p>
@@ -14701,7 +15234,7 @@
               <a:rPr lang="en-CA" sz="1200" dirty="0">
                 <a:hlinkClick r:id="rId3"/>
               </a:rPr>
-              <a:t>https://towardsdatascience.com/machine-learning-in-tableau-with-pycaret-166ffac9b22e</a:t>
+              <a:t>https://www.youtube.com/watch?v=2oxLDir7foQ</a:t>
             </a:r>
             <a:endParaRPr lang="en-CA" sz="1200" dirty="0"/>
           </a:p>
@@ -14714,11 +15247,7 @@
           <a:p>
             <a:r>
               <a:rPr lang="en-US" sz="1600" dirty="0"/>
-              <a:t>NLP Classification using PyCaret by </a:t>
-            </a:r>
-            <a:r>
-              <a:rPr lang="en-US" sz="1600" i="1" dirty="0"/>
-              <a:t>Prateek Baghel</a:t>
+              <a:t>Anomaly Detection in PyCaret Video Tutorial</a:t>
             </a:r>
             <a:endParaRPr lang="en-US" sz="1200" i="1" dirty="0"/>
           </a:p>
@@ -14727,12 +15256,12 @@
               <a:buNone/>
             </a:pPr>
             <a:r>
-              <a:rPr lang="en-CA" sz="1200" u="sng" dirty="0">
+              <a:rPr lang="en-CA" sz="1200" dirty="0">
                 <a:hlinkClick r:id="rId4"/>
               </a:rPr>
-              <a:t>https://towardsdatascience.com/predicting-crashes-in-gold-prices-using-machine-learning-5769f548496</a:t>
+              <a:t>https://www.youtube.com/watch?v=q0dxYDq1A40&amp;t=2s</a:t>
             </a:r>
-            <a:endParaRPr lang="en-CA" sz="1200" u="sng" dirty="0"/>
+            <a:endParaRPr lang="en-CA" sz="1200" dirty="0"/>
           </a:p>
           <a:p>
             <a:pPr marL="114300" indent="0">
@@ -14743,24 +15272,21 @@
           <a:p>
             <a:r>
               <a:rPr lang="en-US" sz="1600" dirty="0"/>
-              <a:t>Predict Gold Price Returns using PyCaret by </a:t>
+              <a:t>Topic Modeling in PyCaret Video Tutorial</a:t>
             </a:r>
-            <a:r>
-              <a:rPr lang="en-US" sz="1600" i="1" dirty="0"/>
-              <a:t>Riazuddin Mohammad</a:t>
-            </a:r>
+            <a:endParaRPr lang="en-US" sz="1600" i="1" dirty="0"/>
           </a:p>
           <a:p>
             <a:pPr marL="114300" indent="0">
               <a:buNone/>
             </a:pPr>
             <a:r>
-              <a:rPr lang="en-CA" sz="1200" u="sng" dirty="0">
+              <a:rPr lang="en-CA" sz="1200" dirty="0">
                 <a:hlinkClick r:id="rId5"/>
               </a:rPr>
-              <a:t>https://towardsdatascience.com/machine-learning-to-predict-gold-price-returns-4bdb0506b132</a:t>
+              <a:t>https://www.youtube.com/watch?v=G6ShuoM3T1M</a:t>
             </a:r>
-            <a:endParaRPr lang="en-CA" sz="1200" u="sng" dirty="0"/>
+            <a:endParaRPr lang="en-CA" sz="1200" dirty="0"/>
           </a:p>
           <a:p>
             <a:pPr marL="114300" indent="0">
@@ -14771,29 +15297,20 @@
           <a:p>
             <a:r>
               <a:rPr lang="en-US" sz="1600" dirty="0"/>
-              <a:t>Predict Crashes in Gold Price using PyCaret by </a:t>
+              <a:t>Association Rule Mining in PyCaret Video Tutorial</a:t>
             </a:r>
-            <a:r>
-              <a:rPr lang="en-US" sz="1600" i="1" dirty="0"/>
-              <a:t>Riazuddin Mohammad</a:t>
-            </a:r>
+            <a:endParaRPr lang="en-US" sz="1600" i="1" dirty="0"/>
           </a:p>
           <a:p>
             <a:pPr marL="114300" indent="0">
               <a:buNone/>
             </a:pPr>
             <a:r>
-              <a:rPr lang="en-CA" sz="1200" u="sng" dirty="0">
-                <a:hlinkClick r:id="rId4"/>
+              <a:rPr lang="en-CA" sz="1200" dirty="0">
+                <a:hlinkClick r:id="rId6"/>
               </a:rPr>
-              <a:t>https://towardsdatascience.com/predicting-crashes-in-gold-prices-using-machine-learning-5769f548496</a:t>
+              <a:t>https://www.youtube.com/watch?v=XYAGwts5qGw</a:t>
             </a:r>
-            <a:endParaRPr lang="en-CA" sz="1200" u="sng" dirty="0"/>
-          </a:p>
-          <a:p>
-            <a:pPr marL="114300" indent="0">
-              <a:buNone/>
-            </a:pPr>
             <a:endParaRPr lang="en-CA" sz="1400" i="1" u="sng" dirty="0"/>
           </a:p>
           <a:p>
@@ -14814,10 +15331,44 @@
           </a:p>
         </p:txBody>
       </p:sp>
+      <p:pic>
+        <p:nvPicPr>
+          <p:cNvPr id="5" name="Google Shape;150;p23">
+            <a:extLst>
+              <a:ext uri="{FF2B5EF4-FFF2-40B4-BE49-F238E27FC236}">
+                <a16:creationId xmlns:a16="http://schemas.microsoft.com/office/drawing/2014/main" id="{7D2C2692-5428-44D8-ACB5-849E3EF0E82D}"/>
+              </a:ext>
+            </a:extLst>
+          </p:cNvPr>
+          <p:cNvPicPr preferRelativeResize="0"/>
+          <p:nvPr/>
+        </p:nvPicPr>
+        <p:blipFill>
+          <a:blip r:embed="rId7">
+            <a:alphaModFix/>
+          </a:blip>
+          <a:stretch>
+            <a:fillRect/>
+          </a:stretch>
+        </p:blipFill>
+        <p:spPr>
+          <a:xfrm>
+            <a:off x="7585712" y="127725"/>
+            <a:ext cx="1415413" cy="172500"/>
+          </a:xfrm>
+          <a:prstGeom prst="rect">
+            <a:avLst/>
+          </a:prstGeom>
+          <a:noFill/>
+          <a:ln>
+            <a:noFill/>
+          </a:ln>
+        </p:spPr>
+      </p:pic>
     </p:spTree>
     <p:extLst>
       <p:ext uri="{BB962C8B-B14F-4D97-AF65-F5344CB8AC3E}">
-        <p14:creationId xmlns:p14="http://schemas.microsoft.com/office/powerpoint/2010/main" val="2478689519"/>
+        <p14:creationId xmlns:p14="http://schemas.microsoft.com/office/powerpoint/2010/main" val="4264553649"/>
       </p:ext>
     </p:extLst>
   </p:cSld>
@@ -14908,10 +15459,10 @@
               <a:t>Machine Learning in SQL by </a:t>
             </a:r>
             <a:r>
-              <a:rPr lang="en-US" sz="1600" i="1" dirty="0"/>
+              <a:rPr lang="en-US" sz="1600" b="1" i="1" dirty="0"/>
               <a:t>Umar Farooque</a:t>
             </a:r>
-            <a:endParaRPr lang="en-US" i="1" dirty="0"/>
+            <a:endParaRPr lang="en-US" b="1" i="1" dirty="0"/>
           </a:p>
           <a:p>
             <a:pPr marL="114300" indent="0">
@@ -14937,10 +15488,10 @@
               <a:t>PyCaret’s integration with Tableau by </a:t>
             </a:r>
             <a:r>
-              <a:rPr lang="en-US" sz="1600" i="1" dirty="0"/>
+              <a:rPr lang="en-US" sz="1600" b="1" i="1" dirty="0"/>
               <a:t>Andrew Cowan-Nagora</a:t>
             </a:r>
-            <a:endParaRPr lang="en-US" i="1" dirty="0"/>
+            <a:endParaRPr lang="en-US" b="1" i="1" dirty="0"/>
           </a:p>
           <a:p>
             <a:pPr marL="114300" indent="0">
@@ -14966,10 +15517,10 @@
               <a:t>NLP Classification using PyCaret by </a:t>
             </a:r>
             <a:r>
-              <a:rPr lang="en-US" sz="1600" i="1" dirty="0"/>
+              <a:rPr lang="en-US" sz="1600" b="1" i="1" dirty="0"/>
               <a:t>Prateek Baghel</a:t>
             </a:r>
-            <a:endParaRPr lang="en-US" sz="1200" i="1" dirty="0"/>
+            <a:endParaRPr lang="en-US" sz="1200" b="1" i="1" dirty="0"/>
           </a:p>
           <a:p>
             <a:pPr marL="114300" indent="0">
@@ -14995,7 +15546,7 @@
               <a:t>Predict Gold Price Returns using PyCaret by </a:t>
             </a:r>
             <a:r>
-              <a:rPr lang="en-US" sz="1600" i="1" dirty="0"/>
+              <a:rPr lang="en-US" sz="1600" b="1" i="1" dirty="0"/>
               <a:t>Riazuddin Mohammad</a:t>
             </a:r>
           </a:p>
@@ -15023,7 +15574,7 @@
               <a:t>Predict Crashes in Gold Price using PyCaret by </a:t>
             </a:r>
             <a:r>
-              <a:rPr lang="en-US" sz="1600" i="1" dirty="0"/>
+              <a:rPr lang="en-US" sz="1600" b="1" i="1" dirty="0"/>
               <a:t>Riazuddin Mohammad</a:t>
             </a:r>
           </a:p>
@@ -15063,60 +15614,44 @@
           </a:p>
         </p:txBody>
       </p:sp>
-      <p:sp>
-        <p:nvSpPr>
-          <p:cNvPr id="4" name="Rectangle: Rounded Corners 3">
+      <p:pic>
+        <p:nvPicPr>
+          <p:cNvPr id="4" name="Google Shape;150;p23">
             <a:extLst>
               <a:ext uri="{FF2B5EF4-FFF2-40B4-BE49-F238E27FC236}">
-                <a16:creationId xmlns:a16="http://schemas.microsoft.com/office/drawing/2014/main" id="{165D6AA3-04AB-4EA7-A9C6-29D2FB9E2413}"/>
+                <a16:creationId xmlns:a16="http://schemas.microsoft.com/office/drawing/2014/main" id="{5397BD35-B094-46CC-B719-C4A76C5EB8DF}"/>
               </a:ext>
             </a:extLst>
           </p:cNvPr>
-          <p:cNvSpPr/>
+          <p:cNvPicPr preferRelativeResize="0"/>
           <p:nvPr/>
-        </p:nvSpPr>
+        </p:nvPicPr>
+        <p:blipFill>
+          <a:blip r:embed="rId6">
+            <a:alphaModFix/>
+          </a:blip>
+          <a:stretch>
+            <a:fillRect/>
+          </a:stretch>
+        </p:blipFill>
         <p:spPr>
           <a:xfrm>
-            <a:off x="3529013" y="307181"/>
-            <a:ext cx="3264693" cy="392907"/>
+            <a:off x="7585712" y="127725"/>
+            <a:ext cx="1415413" cy="172500"/>
           </a:xfrm>
-          <a:prstGeom prst="roundRect">
+          <a:prstGeom prst="rect">
             <a:avLst/>
           </a:prstGeom>
+          <a:noFill/>
+          <a:ln>
+            <a:noFill/>
+          </a:ln>
         </p:spPr>
-        <p:style>
-          <a:lnRef idx="2">
-            <a:schemeClr val="accent1">
-              <a:shade val="50000"/>
-            </a:schemeClr>
-          </a:lnRef>
-          <a:fillRef idx="1">
-            <a:schemeClr val="accent1"/>
-          </a:fillRef>
-          <a:effectRef idx="0">
-            <a:schemeClr val="accent1"/>
-          </a:effectRef>
-          <a:fontRef idx="minor">
-            <a:schemeClr val="lt1"/>
-          </a:fontRef>
-        </p:style>
-        <p:txBody>
-          <a:bodyPr rtlCol="0" anchor="ctr"/>
-          <a:lstStyle/>
-          <a:p>
-            <a:pPr algn="ctr"/>
-            <a:r>
-              <a:rPr lang="en-CA" dirty="0" err="1"/>
-              <a:t>wip</a:t>
-            </a:r>
-            <a:endParaRPr lang="en-CA" dirty="0"/>
-          </a:p>
-        </p:txBody>
-      </p:sp>
+      </p:pic>
     </p:spTree>
     <p:extLst>
       <p:ext uri="{BB962C8B-B14F-4D97-AF65-F5344CB8AC3E}">
-        <p14:creationId xmlns:p14="http://schemas.microsoft.com/office/powerpoint/2010/main" val="4264553649"/>
+        <p14:creationId xmlns:p14="http://schemas.microsoft.com/office/powerpoint/2010/main" val="2478689519"/>
       </p:ext>
     </p:extLst>
   </p:cSld>
@@ -15148,7 +15683,7 @@
           <p:cNvPr id="2" name="Title 1">
             <a:extLst>
               <a:ext uri="{FF2B5EF4-FFF2-40B4-BE49-F238E27FC236}">
-                <a16:creationId xmlns:a16="http://schemas.microsoft.com/office/drawing/2014/main" id="{D4C69E57-EDE8-4B2E-A008-BE83ADA02AEC}"/>
+                <a16:creationId xmlns:a16="http://schemas.microsoft.com/office/drawing/2014/main" id="{92985BE0-7587-409C-9D1A-724DC541C453}"/>
               </a:ext>
             </a:extLst>
           </p:cNvPr>
@@ -15159,14 +15694,19 @@
             <p:ph type="title"/>
           </p:nvPr>
         </p:nvSpPr>
-        <p:spPr/>
+        <p:spPr>
+          <a:xfrm>
+            <a:off x="311700" y="230713"/>
+            <a:ext cx="8520600" cy="572700"/>
+          </a:xfrm>
+        </p:spPr>
         <p:txBody>
           <a:bodyPr/>
           <a:lstStyle/>
           <a:p>
             <a:r>
               <a:rPr lang="en-CA" dirty="0"/>
-              <a:t>Let’s get started</a:t>
+              <a:t>Resources (cont.)</a:t>
             </a:r>
           </a:p>
         </p:txBody>
@@ -15176,7 +15716,7 @@
           <p:cNvPr id="3" name="Text Placeholder 2">
             <a:extLst>
               <a:ext uri="{FF2B5EF4-FFF2-40B4-BE49-F238E27FC236}">
-                <a16:creationId xmlns:a16="http://schemas.microsoft.com/office/drawing/2014/main" id="{B1AAF820-FA06-4353-8A76-8F66286271F4}"/>
+                <a16:creationId xmlns:a16="http://schemas.microsoft.com/office/drawing/2014/main" id="{06E6FFFC-6088-490F-A98E-979362483C08}"/>
               </a:ext>
             </a:extLst>
           </p:cNvPr>
@@ -15189,100 +15729,213 @@
         </p:nvSpPr>
         <p:spPr>
           <a:xfrm>
-            <a:off x="311700" y="1345356"/>
-            <a:ext cx="8520600" cy="3740994"/>
+            <a:off x="311700" y="992981"/>
+            <a:ext cx="8520600" cy="3919806"/>
           </a:xfrm>
         </p:spPr>
         <p:txBody>
           <a:bodyPr/>
           <a:lstStyle/>
           <a:p>
+            <a:r>
+              <a:rPr lang="en-US" sz="1600" dirty="0"/>
+              <a:t>Binary Classification Notebook by </a:t>
+            </a:r>
+            <a:r>
+              <a:rPr lang="en-US" sz="1600" b="1" i="1" dirty="0"/>
+              <a:t>Murali Tedla</a:t>
+            </a:r>
+            <a:endParaRPr lang="en-US" b="1" i="1" dirty="0"/>
+          </a:p>
+          <a:p>
             <a:pPr marL="114300" indent="0">
               <a:buNone/>
             </a:pPr>
             <a:r>
-              <a:rPr lang="en-CA" dirty="0"/>
-              <a:t>If you plan to follow-along the demo part. You can clone the following GitHub repository:</a:t>
+              <a:rPr lang="en-CA" sz="1200" u="sng" dirty="0">
+                <a:hlinkClick r:id="rId2"/>
+              </a:rPr>
+              <a:t>https://colab.research.google.com/drive/1W6ZYw5oAN7V85utFkXkCQq3iBWjqP1WB</a:t>
             </a:r>
+            <a:endParaRPr lang="en-CA" sz="1200" u="sng" dirty="0"/>
           </a:p>
           <a:p>
             <a:pPr marL="114300" indent="0">
               <a:buNone/>
             </a:pPr>
-            <a:endParaRPr lang="en-CA" dirty="0"/>
+            <a:endParaRPr lang="en-CA" sz="1200" dirty="0"/>
+          </a:p>
+          <a:p>
+            <a:r>
+              <a:rPr lang="en-US" sz="1600" dirty="0"/>
+              <a:t>Wine Quality Prediction by </a:t>
+            </a:r>
+            <a:r>
+              <a:rPr lang="en-US" sz="1600" b="1" i="1" dirty="0"/>
+              <a:t>Abhinav Arora</a:t>
+            </a:r>
+            <a:endParaRPr lang="en-US" b="1" i="1" dirty="0"/>
           </a:p>
           <a:p>
             <a:pPr marL="114300" indent="0">
               <a:buNone/>
             </a:pPr>
             <a:r>
-              <a:rPr lang="en-CA" dirty="0">
-                <a:hlinkClick r:id="rId2"/>
+              <a:rPr lang="en-CA" sz="1200" dirty="0">
+                <a:hlinkClick r:id="rId3"/>
               </a:rPr>
-              <a:t>https://www.github.com/pycaret/pycaret-demo-dataraction</a:t>
+              <a:t>https://colab.research.google.com/drive/1uFNmhgM9ghVrtqN3MXaofxDlLePb3yIi#scrollTo=sYsHyY8uH6tb</a:t>
             </a:r>
-            <a:endParaRPr lang="en-CA" dirty="0"/>
+            <a:endParaRPr lang="en-CA" sz="1200" dirty="0"/>
           </a:p>
           <a:p>
             <a:pPr marL="114300" indent="0">
               <a:buNone/>
             </a:pPr>
-            <a:endParaRPr lang="en-CA" dirty="0"/>
+            <a:endParaRPr lang="en-CA" sz="1200" dirty="0"/>
+          </a:p>
+          <a:p>
+            <a:r>
+              <a:rPr lang="en-US" sz="1600" dirty="0"/>
+              <a:t>Build your machine learning models by </a:t>
+            </a:r>
+            <a:r>
+              <a:rPr lang="en-US" sz="1600" b="1" i="1" dirty="0"/>
+              <a:t>Lakshay Arora</a:t>
+            </a:r>
           </a:p>
           <a:p>
             <a:pPr marL="114300" indent="0">
               <a:buNone/>
             </a:pPr>
             <a:r>
-              <a:rPr lang="en-CA" dirty="0"/>
-              <a:t>Alternatively, you can run the notebooks on Google Colab. Follow the link below:</a:t>
+              <a:rPr lang="en-CA" sz="1200" dirty="0">
+                <a:hlinkClick r:id="rId4"/>
+              </a:rPr>
+              <a:t>https://www.analyticsvidhya.com/blog/2020/05/pycaret-machine-learning-model-seconds/</a:t>
             </a:r>
+            <a:endParaRPr lang="en-CA" sz="1200" dirty="0"/>
           </a:p>
           <a:p>
             <a:pPr marL="114300" indent="0">
               <a:buNone/>
             </a:pPr>
-            <a:endParaRPr lang="en-CA" dirty="0"/>
+            <a:endParaRPr lang="en-CA" sz="1200" dirty="0"/>
+          </a:p>
+          <a:p>
+            <a:r>
+              <a:rPr lang="en-US" sz="1600" dirty="0"/>
+              <a:t>PyCaret’s Integration with Power BI (1 Hour Video Tutorial)</a:t>
+            </a:r>
+            <a:endParaRPr lang="en-US" sz="1600" b="1" i="1" dirty="0"/>
           </a:p>
           <a:p>
             <a:pPr marL="114300" indent="0">
               <a:buNone/>
             </a:pPr>
             <a:r>
-              <a:rPr lang="en-CA" dirty="0">
-                <a:hlinkClick r:id="rId3"/>
+              <a:rPr lang="en-CA" sz="1200" dirty="0">
+                <a:hlinkClick r:id="rId5"/>
               </a:rPr>
-              <a:t>https://pycaret.org/demo/</a:t>
+              <a:t>https://www.youtube.com/watch?v=ZeQVkEWo2x0</a:t>
             </a:r>
-            <a:endParaRPr lang="en-CA" dirty="0"/>
+            <a:endParaRPr lang="en-CA" sz="1200" dirty="0"/>
           </a:p>
           <a:p>
             <a:pPr marL="114300" indent="0">
               <a:buNone/>
             </a:pPr>
-            <a:endParaRPr lang="en-CA" b="1" dirty="0"/>
+            <a:endParaRPr lang="en-CA" sz="1200" i="1" dirty="0"/>
+          </a:p>
+          <a:p>
+            <a:r>
+              <a:rPr lang="en-US" sz="1600" dirty="0"/>
+              <a:t>Anomaly Detection using PyCaret by </a:t>
+            </a:r>
+            <a:r>
+              <a:rPr lang="en-US" sz="1600" b="1" i="1" dirty="0"/>
+              <a:t>Krish Naik</a:t>
+            </a:r>
+            <a:r>
+              <a:rPr lang="en-US" sz="1600" dirty="0"/>
+              <a:t> (Video Tutorial)</a:t>
+            </a:r>
+            <a:endParaRPr lang="en-US" sz="1600" b="1" i="1" dirty="0"/>
           </a:p>
           <a:p>
             <a:pPr marL="114300" indent="0">
               <a:buNone/>
             </a:pPr>
             <a:r>
-              <a:rPr lang="en-CA" b="1" dirty="0"/>
-              <a:t>To install pycaret on your local machine type “pip install pycaret” in Jupyter Notebook or Anaconda Prompt. Installation will take 5-10 minutes.</a:t>
+              <a:rPr lang="en-CA" sz="1200" dirty="0">
+                <a:hlinkClick r:id="rId5"/>
+              </a:rPr>
+              <a:t>https://www.youtube.com/watch?v=ZeQVkEWo2x0</a:t>
             </a:r>
+            <a:endParaRPr lang="en-CA" sz="1200" dirty="0"/>
           </a:p>
           <a:p>
             <a:pPr marL="114300" indent="0">
               <a:buNone/>
             </a:pPr>
-            <a:endParaRPr lang="en-CA" b="1" dirty="0"/>
+            <a:endParaRPr lang="en-CA" sz="1200" dirty="0"/>
+          </a:p>
+          <a:p>
+            <a:pPr marL="114300" indent="0">
+              <a:buNone/>
+            </a:pPr>
+            <a:endParaRPr lang="en-US" sz="1200" i="1" dirty="0"/>
+          </a:p>
+          <a:p>
+            <a:pPr marL="114300" indent="0">
+              <a:buNone/>
+            </a:pPr>
+            <a:r>
+              <a:rPr lang="en-US" i="1" dirty="0"/>
+              <a:t> 	</a:t>
+            </a:r>
+            <a:endParaRPr lang="en-CA" i="1" dirty="0"/>
           </a:p>
         </p:txBody>
       </p:sp>
+      <p:pic>
+        <p:nvPicPr>
+          <p:cNvPr id="4" name="Google Shape;150;p23">
+            <a:extLst>
+              <a:ext uri="{FF2B5EF4-FFF2-40B4-BE49-F238E27FC236}">
+                <a16:creationId xmlns:a16="http://schemas.microsoft.com/office/drawing/2014/main" id="{4636B985-9DEF-48C0-B618-F9501A95E3FF}"/>
+              </a:ext>
+            </a:extLst>
+          </p:cNvPr>
+          <p:cNvPicPr preferRelativeResize="0"/>
+          <p:nvPr/>
+        </p:nvPicPr>
+        <p:blipFill>
+          <a:blip r:embed="rId6">
+            <a:alphaModFix/>
+          </a:blip>
+          <a:stretch>
+            <a:fillRect/>
+          </a:stretch>
+        </p:blipFill>
+        <p:spPr>
+          <a:xfrm>
+            <a:off x="7585712" y="127725"/>
+            <a:ext cx="1415413" cy="172500"/>
+          </a:xfrm>
+          <a:prstGeom prst="rect">
+            <a:avLst/>
+          </a:prstGeom>
+          <a:noFill/>
+          <a:ln>
+            <a:noFill/>
+          </a:ln>
+        </p:spPr>
+      </p:pic>
     </p:spTree>
     <p:extLst>
       <p:ext uri="{BB962C8B-B14F-4D97-AF65-F5344CB8AC3E}">
-        <p14:creationId xmlns:p14="http://schemas.microsoft.com/office/powerpoint/2010/main" val="1799633931"/>
+        <p14:creationId xmlns:p14="http://schemas.microsoft.com/office/powerpoint/2010/main" val="1425014206"/>
       </p:ext>
     </p:extLst>
   </p:cSld>

--- a/Introducing PyCaret - June 1 2020.pptx
+++ b/Introducing PyCaret - June 1 2020.pptx
@@ -10854,10 +10854,10 @@
               <a:buNone/>
             </a:pPr>
             <a:r>
-              <a:rPr lang="en"/>
+              <a:rPr lang="en" dirty="0"/>
               <a:t>Facts</a:t>
             </a:r>
-            <a:endParaRPr/>
+            <a:endParaRPr dirty="0"/>
           </a:p>
         </p:txBody>
       </p:sp>
@@ -12115,7 +12115,7 @@
             </a:pPr>
             <a:r>
               <a:rPr lang="en" sz="3900" dirty="0"/>
-              <a:t>65K+</a:t>
+              <a:t>70K+</a:t>
             </a:r>
             <a:endParaRPr sz="3900" dirty="0"/>
           </a:p>
@@ -13013,7 +13013,7 @@
       </p:sp>
       <p:pic>
         <p:nvPicPr>
-          <p:cNvPr id="7" name="Picture 6" descr="A close up of a person&#10;&#10;Description automatically generated">
+          <p:cNvPr id="7" name="Picture 6">
             <a:extLst>
               <a:ext uri="{FF2B5EF4-FFF2-40B4-BE49-F238E27FC236}">
                 <a16:creationId xmlns:a16="http://schemas.microsoft.com/office/drawing/2014/main" id="{89A4A56F-0271-41A9-9063-C674F37103AB}"/>
@@ -13027,14 +13027,13 @@
         </p:nvPicPr>
         <p:blipFill>
           <a:blip r:embed="rId2"/>
-          <a:stretch>
-            <a:fillRect/>
-          </a:stretch>
+          <a:srcRect/>
+          <a:stretch/>
         </p:blipFill>
         <p:spPr>
           <a:xfrm>
-            <a:off x="7947781" y="279188"/>
-            <a:ext cx="1048823" cy="1070981"/>
+            <a:off x="3132893" y="80634"/>
+            <a:ext cx="1048823" cy="1048823"/>
           </a:xfrm>
           <a:prstGeom prst="rect">
             <a:avLst/>

--- a/Introducing PyCaret - June 1 2020.pptx
+++ b/Introducing PyCaret - June 1 2020.pptx
@@ -12995,8 +12995,8 @@
         </p:nvSpPr>
         <p:spPr>
           <a:xfrm>
-            <a:off x="211688" y="279188"/>
-            <a:ext cx="8520600" cy="628068"/>
+            <a:off x="977227" y="437513"/>
+            <a:ext cx="2587504" cy="628068"/>
           </a:xfrm>
         </p:spPr>
         <p:txBody>
@@ -13006,7 +13006,7 @@
             <a:pPr algn="l"/>
             <a:r>
               <a:rPr lang="en-CA" dirty="0"/>
-              <a:t>About myself</a:t>
+              <a:t>About me</a:t>
             </a:r>
           </a:p>
         </p:txBody>
@@ -13032,8 +13032,8 @@
         </p:blipFill>
         <p:spPr>
           <a:xfrm>
-            <a:off x="3132893" y="80634"/>
-            <a:ext cx="1048823" cy="1048823"/>
+            <a:off x="132519" y="315492"/>
+            <a:ext cx="753080" cy="753080"/>
           </a:xfrm>
           <a:prstGeom prst="rect">
             <a:avLst/>
